--- a/Presentacion entrega 4/Entrega4_Presentacion.pptx
+++ b/Presentacion entrega 4/Entrega4_Presentacion.pptx
@@ -7783,6 +7783,41 @@
               <a:rPr lang="es-MX" dirty="0"/>
             </a:br>
             <a:endParaRPr lang="es-MX" dirty="0"/>
+          </a:p>
+        </p:txBody>
+      </p:sp>
+      <p:sp>
+        <p:nvSpPr>
+          <p:cNvPr id="14" name="CuadroTexto 13">
+            <a:extLst>
+              <a:ext uri="{FF2B5EF4-FFF2-40B4-BE49-F238E27FC236}">
+                <a16:creationId xmlns:a16="http://schemas.microsoft.com/office/drawing/2014/main" id="{F158F165-4F98-9944-9754-ACF3581200DD}"/>
+              </a:ext>
+            </a:extLst>
+          </p:cNvPr>
+          <p:cNvSpPr txBox="1"/>
+          <p:nvPr/>
+        </p:nvSpPr>
+        <p:spPr>
+          <a:xfrm>
+            <a:off x="2529399" y="5568435"/>
+            <a:ext cx="3446521" cy="369332"/>
+          </a:xfrm>
+          <a:prstGeom prst="rect">
+            <a:avLst/>
+          </a:prstGeom>
+          <a:noFill/>
+        </p:spPr>
+        <p:txBody>
+          <a:bodyPr wrap="none" rtlCol="0">
+            <a:spAutoFit/>
+          </a:bodyPr>
+          <a:lstStyle/>
+          <a:p>
+            <a:r>
+              <a:rPr lang="es-MX" b="1" i="1" u="sng" dirty="0"/>
+              <a:t>https://cbtis.construtec.xyz/home</a:t>
+            </a:r>
           </a:p>
         </p:txBody>
       </p:sp>

--- a/Presentacion entrega 4/Entrega4_Presentacion.pptx
+++ b/Presentacion entrega 4/Entrega4_Presentacion.pptx
@@ -7,22 +7,23 @@
   <p:sldIdLst>
     <p:sldId id="256" r:id="rId5"/>
     <p:sldId id="257" r:id="rId6"/>
-    <p:sldId id="259" r:id="rId7"/>
-    <p:sldId id="260" r:id="rId8"/>
-    <p:sldId id="261" r:id="rId9"/>
-    <p:sldId id="263" r:id="rId10"/>
-    <p:sldId id="262" r:id="rId11"/>
-    <p:sldId id="264" r:id="rId12"/>
-    <p:sldId id="265" r:id="rId13"/>
-    <p:sldId id="266" r:id="rId14"/>
-    <p:sldId id="267" r:id="rId15"/>
-    <p:sldId id="268" r:id="rId16"/>
-    <p:sldId id="269" r:id="rId17"/>
-    <p:sldId id="270" r:id="rId18"/>
-    <p:sldId id="272" r:id="rId19"/>
-    <p:sldId id="273" r:id="rId20"/>
-    <p:sldId id="275" r:id="rId21"/>
-    <p:sldId id="274" r:id="rId22"/>
+    <p:sldId id="276" r:id="rId7"/>
+    <p:sldId id="259" r:id="rId8"/>
+    <p:sldId id="260" r:id="rId9"/>
+    <p:sldId id="261" r:id="rId10"/>
+    <p:sldId id="263" r:id="rId11"/>
+    <p:sldId id="262" r:id="rId12"/>
+    <p:sldId id="264" r:id="rId13"/>
+    <p:sldId id="265" r:id="rId14"/>
+    <p:sldId id="266" r:id="rId15"/>
+    <p:sldId id="267" r:id="rId16"/>
+    <p:sldId id="268" r:id="rId17"/>
+    <p:sldId id="269" r:id="rId18"/>
+    <p:sldId id="270" r:id="rId19"/>
+    <p:sldId id="272" r:id="rId20"/>
+    <p:sldId id="273" r:id="rId21"/>
+    <p:sldId id="275" r:id="rId22"/>
+    <p:sldId id="274" r:id="rId23"/>
   </p:sldIdLst>
   <p:sldSz cx="12192000" cy="6858000"/>
   <p:notesSz cx="6858000" cy="9144000"/>
@@ -4362,28 +4363,16 @@
               <a:rPr lang="es-MX" sz="2000" b="1" dirty="0"/>
               <a:t>Prevención de errores al eliminar examen</a:t>
             </a:r>
-            <a:r>
-              <a:rPr lang="es-MX" sz="2000" dirty="0"/>
-              <a:t> </a:t>
-            </a:r>
-            <a:r>
-              <a:rPr lang="es-MX" sz="2000" b="1" dirty="0"/>
-              <a:t>SOLUCION</a:t>
-            </a:r>
-            <a:r>
-              <a:rPr lang="es-MX" sz="2000" dirty="0"/>
-              <a:t> </a:t>
-            </a:r>
-            <a:endParaRPr lang="es-MX" sz="2000" b="1" dirty="0"/>
+            <a:endParaRPr lang="es-MX" sz="2000" dirty="0"/>
           </a:p>
         </p:txBody>
       </p:sp>
       <p:pic>
         <p:nvPicPr>
-          <p:cNvPr id="10" name="Imagen 9" descr="Captura de pantalla de un celular&#10;&#10;Descripción generada automáticamente">
-            <a:extLst>
-              <a:ext uri="{FF2B5EF4-FFF2-40B4-BE49-F238E27FC236}">
-                <a16:creationId xmlns:a16="http://schemas.microsoft.com/office/drawing/2014/main" id="{036F379C-0E8E-BB4E-BB44-FEFEFCBB1028}"/>
+          <p:cNvPr id="9" name="Imagen 8" descr="Captura de pantalla de un celular con texto&#10;&#10;Descripción generada automáticamente">
+            <a:extLst>
+              <a:ext uri="{FF2B5EF4-FFF2-40B4-BE49-F238E27FC236}">
+                <a16:creationId xmlns:a16="http://schemas.microsoft.com/office/drawing/2014/main" id="{F6F81010-61B6-804D-88E2-A64260F94AA2}"/>
               </a:ext>
             </a:extLst>
           </p:cNvPr>
@@ -4406,53 +4395,18 @@
         </p:blipFill>
         <p:spPr>
           <a:xfrm>
-            <a:off x="2452262" y="2241532"/>
-            <a:ext cx="8626045" cy="2071948"/>
+            <a:off x="2000250" y="2242456"/>
+            <a:ext cx="9505950" cy="4211631"/>
           </a:xfrm>
           <a:prstGeom prst="rect">
             <a:avLst/>
           </a:prstGeom>
         </p:spPr>
       </p:pic>
-      <p:sp>
-        <p:nvSpPr>
-          <p:cNvPr id="11" name="CuadroTexto 10">
-            <a:extLst>
-              <a:ext uri="{FF2B5EF4-FFF2-40B4-BE49-F238E27FC236}">
-                <a16:creationId xmlns:a16="http://schemas.microsoft.com/office/drawing/2014/main" id="{934560E7-1289-0540-9F6E-38397E22FF22}"/>
-              </a:ext>
-            </a:extLst>
-          </p:cNvPr>
-          <p:cNvSpPr txBox="1"/>
-          <p:nvPr/>
-        </p:nvSpPr>
-        <p:spPr>
-          <a:xfrm>
-            <a:off x="2843178" y="5896710"/>
-            <a:ext cx="8391593" cy="369332"/>
-          </a:xfrm>
-          <a:prstGeom prst="rect">
-            <a:avLst/>
-          </a:prstGeom>
-          <a:noFill/>
-        </p:spPr>
-        <p:txBody>
-          <a:bodyPr wrap="none" rtlCol="0">
-            <a:spAutoFit/>
-          </a:bodyPr>
-          <a:lstStyle/>
-          <a:p>
-            <a:r>
-              <a:rPr lang="es-MX" dirty="0"/>
-              <a:t>Se crea una alerta para prevenir errores del usuario al momento de eliminar un examen</a:t>
-            </a:r>
-          </a:p>
-        </p:txBody>
-      </p:sp>
     </p:spTree>
     <p:extLst>
       <p:ext uri="{BB962C8B-B14F-4D97-AF65-F5344CB8AC3E}">
-        <p14:creationId xmlns:p14="http://schemas.microsoft.com/office/powerpoint/2010/main" val="806773568"/>
+        <p14:creationId xmlns:p14="http://schemas.microsoft.com/office/powerpoint/2010/main" val="3289354726"/>
       </p:ext>
     </p:extLst>
   </p:cSld>
@@ -4728,8 +4682,8 @@
         </p:nvSpPr>
         <p:spPr>
           <a:xfrm>
-            <a:off x="1967593" y="1254550"/>
-            <a:ext cx="10142764" cy="707886"/>
+            <a:off x="1885950" y="1368850"/>
+            <a:ext cx="10142764" cy="400110"/>
           </a:xfrm>
           <a:prstGeom prst="rect">
             <a:avLst/>
@@ -4742,9 +4696,6 @@
           </a:bodyPr>
           <a:lstStyle/>
           <a:p>
-            <a:br>
-              <a:rPr lang="es-MX" sz="2000" dirty="0"/>
-            </a:br>
             <a:r>
               <a:rPr lang="es-MX" sz="2000" dirty="0"/>
               <a:t>- Aspecto a </a:t>
@@ -4755,17 +4706,34 @@
             </a:r>
             <a:r>
               <a:rPr lang="es-MX" sz="2000" dirty="0"/>
-              <a:t>: El texto no escala con el tamaño de la barra de navegación.</a:t>
-            </a:r>
+              <a:t>: </a:t>
+            </a:r>
+            <a:r>
+              <a:rPr lang="es-MX" sz="2000" b="1" dirty="0"/>
+              <a:t>Prevención de errores al eliminar examen</a:t>
+            </a:r>
+            <a:r>
+              <a:rPr lang="es-MX" sz="2000" dirty="0"/>
+              <a:t> </a:t>
+            </a:r>
+            <a:r>
+              <a:rPr lang="es-MX" sz="2000" b="1" dirty="0"/>
+              <a:t>SOLUCION</a:t>
+            </a:r>
+            <a:r>
+              <a:rPr lang="es-MX" sz="2000" dirty="0"/>
+              <a:t> </a:t>
+            </a:r>
+            <a:endParaRPr lang="es-MX" sz="2000" b="1" dirty="0"/>
           </a:p>
         </p:txBody>
       </p:sp>
       <p:pic>
         <p:nvPicPr>
-          <p:cNvPr id="10" name="Imagen 9" descr="Una captura de pantalla de una red social&#10;&#10;Descripción generada automáticamente">
-            <a:extLst>
-              <a:ext uri="{FF2B5EF4-FFF2-40B4-BE49-F238E27FC236}">
-                <a16:creationId xmlns:a16="http://schemas.microsoft.com/office/drawing/2014/main" id="{CD75CA04-B796-154C-9E30-2A6F40F309F1}"/>
+          <p:cNvPr id="10" name="Imagen 9" descr="Captura de pantalla de un celular&#10;&#10;Descripción generada automáticamente">
+            <a:extLst>
+              <a:ext uri="{FF2B5EF4-FFF2-40B4-BE49-F238E27FC236}">
+                <a16:creationId xmlns:a16="http://schemas.microsoft.com/office/drawing/2014/main" id="{036F379C-0E8E-BB4E-BB44-FEFEFCBB1028}"/>
               </a:ext>
             </a:extLst>
           </p:cNvPr>
@@ -4788,18 +4756,53 @@
         </p:blipFill>
         <p:spPr>
           <a:xfrm>
-            <a:off x="2650672" y="2121611"/>
-            <a:ext cx="8294914" cy="4504996"/>
+            <a:off x="2452262" y="2241532"/>
+            <a:ext cx="8626045" cy="2071948"/>
           </a:xfrm>
           <a:prstGeom prst="rect">
             <a:avLst/>
           </a:prstGeom>
         </p:spPr>
       </p:pic>
+      <p:sp>
+        <p:nvSpPr>
+          <p:cNvPr id="11" name="CuadroTexto 10">
+            <a:extLst>
+              <a:ext uri="{FF2B5EF4-FFF2-40B4-BE49-F238E27FC236}">
+                <a16:creationId xmlns:a16="http://schemas.microsoft.com/office/drawing/2014/main" id="{934560E7-1289-0540-9F6E-38397E22FF22}"/>
+              </a:ext>
+            </a:extLst>
+          </p:cNvPr>
+          <p:cNvSpPr txBox="1"/>
+          <p:nvPr/>
+        </p:nvSpPr>
+        <p:spPr>
+          <a:xfrm>
+            <a:off x="2843178" y="5896710"/>
+            <a:ext cx="8391593" cy="369332"/>
+          </a:xfrm>
+          <a:prstGeom prst="rect">
+            <a:avLst/>
+          </a:prstGeom>
+          <a:noFill/>
+        </p:spPr>
+        <p:txBody>
+          <a:bodyPr wrap="none" rtlCol="0">
+            <a:spAutoFit/>
+          </a:bodyPr>
+          <a:lstStyle/>
+          <a:p>
+            <a:r>
+              <a:rPr lang="es-MX" dirty="0"/>
+              <a:t>Se crea una alerta para prevenir errores del usuario al momento de eliminar un examen</a:t>
+            </a:r>
+          </a:p>
+        </p:txBody>
+      </p:sp>
     </p:spTree>
     <p:extLst>
       <p:ext uri="{BB962C8B-B14F-4D97-AF65-F5344CB8AC3E}">
-        <p14:creationId xmlns:p14="http://schemas.microsoft.com/office/powerpoint/2010/main" val="3106576186"/>
+        <p14:creationId xmlns:p14="http://schemas.microsoft.com/office/powerpoint/2010/main" val="806773568"/>
       </p:ext>
     </p:extLst>
   </p:cSld>
@@ -5075,8 +5078,8 @@
         </p:nvSpPr>
         <p:spPr>
           <a:xfrm>
-            <a:off x="1885950" y="1368850"/>
-            <a:ext cx="10142764" cy="400110"/>
+            <a:off x="1967593" y="1254550"/>
+            <a:ext cx="10142764" cy="707886"/>
           </a:xfrm>
           <a:prstGeom prst="rect">
             <a:avLst/>
@@ -5089,6 +5092,9 @@
           </a:bodyPr>
           <a:lstStyle/>
           <a:p>
+            <a:br>
+              <a:rPr lang="es-MX" sz="2000" dirty="0"/>
+            </a:br>
             <a:r>
               <a:rPr lang="es-MX" sz="2000" dirty="0"/>
               <a:t>- Aspecto a </a:t>
@@ -5099,34 +5105,17 @@
             </a:r>
             <a:r>
               <a:rPr lang="es-MX" sz="2000" dirty="0"/>
-              <a:t>: </a:t>
-            </a:r>
-            <a:r>
-              <a:rPr lang="es-MX" sz="2000" b="1" dirty="0"/>
-              <a:t>Prevención de errores al eliminar examen</a:t>
-            </a:r>
-            <a:r>
-              <a:rPr lang="es-MX" sz="2000" dirty="0"/>
-              <a:t> </a:t>
-            </a:r>
-            <a:r>
-              <a:rPr lang="es-MX" sz="2000" b="1" dirty="0"/>
-              <a:t>SOLUCION</a:t>
-            </a:r>
-            <a:r>
-              <a:rPr lang="es-MX" sz="2000" dirty="0"/>
-              <a:t> </a:t>
-            </a:r>
-            <a:endParaRPr lang="es-MX" sz="2000" b="1" dirty="0"/>
+              <a:t>: El texto no escala con el tamaño de la barra de navegación.</a:t>
+            </a:r>
           </a:p>
         </p:txBody>
       </p:sp>
       <p:pic>
         <p:nvPicPr>
-          <p:cNvPr id="10" name="Imagen 9" descr="Captura de pantalla de un celular&#10;&#10;Descripción generada automáticamente">
-            <a:extLst>
-              <a:ext uri="{FF2B5EF4-FFF2-40B4-BE49-F238E27FC236}">
-                <a16:creationId xmlns:a16="http://schemas.microsoft.com/office/drawing/2014/main" id="{41D9CD85-9C75-244A-B0C3-8A2F45C91E12}"/>
+          <p:cNvPr id="10" name="Imagen 9" descr="Una captura de pantalla de una red social&#10;&#10;Descripción generada automáticamente">
+            <a:extLst>
+              <a:ext uri="{FF2B5EF4-FFF2-40B4-BE49-F238E27FC236}">
+                <a16:creationId xmlns:a16="http://schemas.microsoft.com/office/drawing/2014/main" id="{CD75CA04-B796-154C-9E30-2A6F40F309F1}"/>
               </a:ext>
             </a:extLst>
           </p:cNvPr>
@@ -5149,53 +5138,18 @@
         </p:blipFill>
         <p:spPr>
           <a:xfrm>
-            <a:off x="2425706" y="2047874"/>
-            <a:ext cx="8178800" cy="4076700"/>
+            <a:off x="2650672" y="2121611"/>
+            <a:ext cx="8294914" cy="4504996"/>
           </a:xfrm>
           <a:prstGeom prst="rect">
             <a:avLst/>
           </a:prstGeom>
         </p:spPr>
       </p:pic>
-      <p:sp>
-        <p:nvSpPr>
-          <p:cNvPr id="11" name="CuadroTexto 10">
-            <a:extLst>
-              <a:ext uri="{FF2B5EF4-FFF2-40B4-BE49-F238E27FC236}">
-                <a16:creationId xmlns:a16="http://schemas.microsoft.com/office/drawing/2014/main" id="{3E7D93C8-012E-5E48-B843-978D1BBE2F97}"/>
-              </a:ext>
-            </a:extLst>
-          </p:cNvPr>
-          <p:cNvSpPr txBox="1"/>
-          <p:nvPr/>
-        </p:nvSpPr>
-        <p:spPr>
-          <a:xfrm>
-            <a:off x="3236355" y="6403488"/>
-            <a:ext cx="6557501" cy="369332"/>
-          </a:xfrm>
-          <a:prstGeom prst="rect">
-            <a:avLst/>
-          </a:prstGeom>
-          <a:noFill/>
-        </p:spPr>
-        <p:txBody>
-          <a:bodyPr wrap="none" rtlCol="0">
-            <a:spAutoFit/>
-          </a:bodyPr>
-          <a:lstStyle/>
-          <a:p>
-            <a:r>
-              <a:rPr lang="es-MX" dirty="0"/>
-              <a:t>Se elimino la pestaña para reducir el menu lateral y evitar el colapso </a:t>
-            </a:r>
-          </a:p>
-        </p:txBody>
-      </p:sp>
     </p:spTree>
     <p:extLst>
       <p:ext uri="{BB962C8B-B14F-4D97-AF65-F5344CB8AC3E}">
-        <p14:creationId xmlns:p14="http://schemas.microsoft.com/office/powerpoint/2010/main" val="3667257231"/>
+        <p14:creationId xmlns:p14="http://schemas.microsoft.com/office/powerpoint/2010/main" val="3106576186"/>
       </p:ext>
     </p:extLst>
   </p:cSld>
@@ -5421,8 +5375,8 @@
         </p:nvSpPr>
         <p:spPr>
           <a:xfrm>
-            <a:off x="2590800" y="62211"/>
-            <a:ext cx="9350829" cy="923330"/>
+            <a:off x="4762190" y="62211"/>
+            <a:ext cx="3505833" cy="923330"/>
           </a:xfrm>
           <a:prstGeom prst="rect">
             <a:avLst/>
@@ -5430,7 +5384,7 @@
           <a:noFill/>
         </p:spPr>
         <p:txBody>
-          <a:bodyPr wrap="square" lIns="91440" tIns="45720" rIns="91440" bIns="45720">
+          <a:bodyPr wrap="none" lIns="91440" tIns="45720" rIns="91440" bIns="45720">
             <a:spAutoFit/>
           </a:bodyPr>
           <a:lstStyle/>
@@ -5452,41 +5406,8 @@
                 <a:latin typeface="Arial" panose="020B0604020202020204" pitchFamily="34" charset="0"/>
                 <a:cs typeface="Arial" panose="020B0604020202020204" pitchFamily="34" charset="0"/>
               </a:rPr>
-              <a:t>Ambiente de </a:t>
-            </a:r>
-            <a:r>
-              <a:rPr lang="es-ES" sz="5400" b="0" cap="none" spc="0" dirty="0" err="1">
-                <a:ln w="0"/>
-                <a:solidFill>
-                  <a:srgbClr val="201A55"/>
-                </a:solidFill>
-                <a:effectLst>
-                  <a:outerShdw blurRad="38100" dist="19050" dir="2700000" algn="tl" rotWithShape="0">
-                    <a:schemeClr val="dk1">
-                      <a:alpha val="40000"/>
-                    </a:schemeClr>
-                  </a:outerShdw>
-                </a:effectLst>
-                <a:latin typeface="Arial" panose="020B0604020202020204" pitchFamily="34" charset="0"/>
-                <a:cs typeface="Arial" panose="020B0604020202020204" pitchFamily="34" charset="0"/>
-              </a:rPr>
-              <a:t>Produccion</a:t>
-            </a:r>
-            <a:endParaRPr lang="es-ES" sz="5400" b="0" cap="none" spc="0" dirty="0">
-              <a:ln w="0"/>
-              <a:solidFill>
-                <a:srgbClr val="201A55"/>
-              </a:solidFill>
-              <a:effectLst>
-                <a:outerShdw blurRad="38100" dist="19050" dir="2700000" algn="tl" rotWithShape="0">
-                  <a:schemeClr val="dk1">
-                    <a:alpha val="40000"/>
-                  </a:schemeClr>
-                </a:outerShdw>
-              </a:effectLst>
-              <a:latin typeface="Arial" panose="020B0604020202020204" pitchFamily="34" charset="0"/>
-              <a:cs typeface="Arial" panose="020B0604020202020204" pitchFamily="34" charset="0"/>
-            </a:endParaRPr>
+              <a:t>AVANCE 4</a:t>
+            </a:r>
           </a:p>
         </p:txBody>
       </p:sp>
@@ -5505,7 +5426,7 @@
         <p:spPr>
           <a:xfrm>
             <a:off x="1885950" y="1368850"/>
-            <a:ext cx="10142764" cy="892552"/>
+            <a:ext cx="10142764" cy="400110"/>
           </a:xfrm>
           <a:prstGeom prst="rect">
             <a:avLst/>
@@ -5519,27 +5440,48 @@
           <a:lstStyle/>
           <a:p>
             <a:r>
-              <a:rPr lang="es-MX" sz="3200" dirty="0"/>
-              <a:t>Proveedor de servicio de servidores dedicados:</a:t>
-            </a:r>
-            <a:endParaRPr lang="en-US" sz="3200" dirty="0"/>
-          </a:p>
-          <a:p>
+              <a:rPr lang="es-MX" sz="2000" dirty="0"/>
+              <a:t>- Aspecto a </a:t>
+            </a:r>
+            <a:r>
+              <a:rPr lang="es-MX" sz="2000" b="1" dirty="0"/>
+              <a:t>mejorar</a:t>
+            </a:r>
+            <a:r>
+              <a:rPr lang="es-MX" sz="2000" dirty="0"/>
+              <a:t>: </a:t>
+            </a:r>
+            <a:r>
+              <a:rPr lang="es-MX" sz="2000" b="1" dirty="0"/>
+              <a:t>Prevención de errores al eliminar examen</a:t>
+            </a:r>
+            <a:r>
+              <a:rPr lang="es-MX" sz="2000" dirty="0"/>
+              <a:t> </a:t>
+            </a:r>
+            <a:r>
+              <a:rPr lang="es-MX" sz="2000" b="1" dirty="0"/>
+              <a:t>SOLUCION</a:t>
+            </a:r>
+            <a:r>
+              <a:rPr lang="es-MX" sz="2000" dirty="0"/>
+              <a:t> </a:t>
+            </a:r>
             <a:endParaRPr lang="es-MX" sz="2000" b="1" dirty="0"/>
           </a:p>
         </p:txBody>
       </p:sp>
       <p:pic>
         <p:nvPicPr>
-          <p:cNvPr id="9" name="Picture 2" descr="Image result for 1and1">
-            <a:extLst>
-              <a:ext uri="{FF2B5EF4-FFF2-40B4-BE49-F238E27FC236}">
-                <a16:creationId xmlns:a16="http://schemas.microsoft.com/office/drawing/2014/main" id="{E35D1BB3-76C9-5F47-B045-D415136504F9}"/>
+          <p:cNvPr id="10" name="Imagen 9" descr="Captura de pantalla de un celular&#10;&#10;Descripción generada automáticamente">
+            <a:extLst>
+              <a:ext uri="{FF2B5EF4-FFF2-40B4-BE49-F238E27FC236}">
+                <a16:creationId xmlns:a16="http://schemas.microsoft.com/office/drawing/2014/main" id="{41D9CD85-9C75-244A-B0C3-8A2F45C91E12}"/>
               </a:ext>
             </a:extLst>
           </p:cNvPr>
           <p:cNvPicPr>
-            <a:picLocks noChangeAspect="1" noChangeArrowheads="1"/>
+            <a:picLocks noChangeAspect="1"/>
           </p:cNvPicPr>
           <p:nvPr/>
         </p:nvPicPr>
@@ -5551,35 +5493,59 @@
               </a:ext>
             </a:extLst>
           </a:blip>
-          <a:srcRect/>
           <a:stretch>
             <a:fillRect/>
           </a:stretch>
         </p:blipFill>
-        <p:spPr bwMode="auto">
-          <a:xfrm>
-            <a:off x="3177903" y="2458677"/>
-            <a:ext cx="6999640" cy="3674811"/>
+        <p:spPr>
+          <a:xfrm>
+            <a:off x="2425706" y="2047874"/>
+            <a:ext cx="8178800" cy="4076700"/>
+          </a:xfrm>
+          <a:prstGeom prst="rect">
+            <a:avLst/>
+          </a:prstGeom>
+        </p:spPr>
+      </p:pic>
+      <p:sp>
+        <p:nvSpPr>
+          <p:cNvPr id="11" name="CuadroTexto 10">
+            <a:extLst>
+              <a:ext uri="{FF2B5EF4-FFF2-40B4-BE49-F238E27FC236}">
+                <a16:creationId xmlns:a16="http://schemas.microsoft.com/office/drawing/2014/main" id="{3E7D93C8-012E-5E48-B843-978D1BBE2F97}"/>
+              </a:ext>
+            </a:extLst>
+          </p:cNvPr>
+          <p:cNvSpPr txBox="1"/>
+          <p:nvPr/>
+        </p:nvSpPr>
+        <p:spPr>
+          <a:xfrm>
+            <a:off x="3236355" y="6403488"/>
+            <a:ext cx="6557501" cy="369332"/>
           </a:xfrm>
           <a:prstGeom prst="rect">
             <a:avLst/>
           </a:prstGeom>
           <a:noFill/>
-          <a:extLst>
-            <a:ext uri="{909E8E84-426E-40DD-AFC4-6F175D3DCCD1}">
-              <a14:hiddenFill xmlns:a14="http://schemas.microsoft.com/office/drawing/2010/main">
-                <a:solidFill>
-                  <a:srgbClr val="FFFFFF"/>
-                </a:solidFill>
-              </a14:hiddenFill>
-            </a:ext>
-          </a:extLst>
-        </p:spPr>
-      </p:pic>
+        </p:spPr>
+        <p:txBody>
+          <a:bodyPr wrap="none" rtlCol="0">
+            <a:spAutoFit/>
+          </a:bodyPr>
+          <a:lstStyle/>
+          <a:p>
+            <a:r>
+              <a:rPr lang="es-MX" dirty="0"/>
+              <a:t>Se elimino la pestaña para reducir el menu lateral y evitar el colapso </a:t>
+            </a:r>
+          </a:p>
+        </p:txBody>
+      </p:sp>
     </p:spTree>
     <p:extLst>
       <p:ext uri="{BB962C8B-B14F-4D97-AF65-F5344CB8AC3E}">
-        <p14:creationId xmlns:p14="http://schemas.microsoft.com/office/powerpoint/2010/main" val="2809561291"/>
+        <p14:creationId xmlns:p14="http://schemas.microsoft.com/office/powerpoint/2010/main" val="3667257231"/>
       </p:ext>
     </p:extLst>
   </p:cSld>
@@ -5836,8 +5802,41 @@
                 <a:latin typeface="Arial" panose="020B0604020202020204" pitchFamily="34" charset="0"/>
                 <a:cs typeface="Arial" panose="020B0604020202020204" pitchFamily="34" charset="0"/>
               </a:rPr>
-              <a:t>Bases de Datos</a:t>
-            </a:r>
+              <a:t>Ambiente de </a:t>
+            </a:r>
+            <a:r>
+              <a:rPr lang="es-ES" sz="5400" b="0" cap="none" spc="0" dirty="0" err="1">
+                <a:ln w="0"/>
+                <a:solidFill>
+                  <a:srgbClr val="201A55"/>
+                </a:solidFill>
+                <a:effectLst>
+                  <a:outerShdw blurRad="38100" dist="19050" dir="2700000" algn="tl" rotWithShape="0">
+                    <a:schemeClr val="dk1">
+                      <a:alpha val="40000"/>
+                    </a:schemeClr>
+                  </a:outerShdw>
+                </a:effectLst>
+                <a:latin typeface="Arial" panose="020B0604020202020204" pitchFamily="34" charset="0"/>
+                <a:cs typeface="Arial" panose="020B0604020202020204" pitchFamily="34" charset="0"/>
+              </a:rPr>
+              <a:t>Produccion</a:t>
+            </a:r>
+            <a:endParaRPr lang="es-ES" sz="5400" b="0" cap="none" spc="0" dirty="0">
+              <a:ln w="0"/>
+              <a:solidFill>
+                <a:srgbClr val="201A55"/>
+              </a:solidFill>
+              <a:effectLst>
+                <a:outerShdw blurRad="38100" dist="19050" dir="2700000" algn="tl" rotWithShape="0">
+                  <a:schemeClr val="dk1">
+                    <a:alpha val="40000"/>
+                  </a:schemeClr>
+                </a:outerShdw>
+              </a:effectLst>
+              <a:latin typeface="Arial" panose="020B0604020202020204" pitchFamily="34" charset="0"/>
+              <a:cs typeface="Arial" panose="020B0604020202020204" pitchFamily="34" charset="0"/>
+            </a:endParaRPr>
           </a:p>
         </p:txBody>
       </p:sp>
@@ -5870,8 +5869,8 @@
           <a:lstStyle/>
           <a:p>
             <a:r>
-              <a:rPr lang="es-ES" sz="3200" dirty="0"/>
-              <a:t>Base de datos creada con datos cargados</a:t>
+              <a:rPr lang="es-MX" sz="3200" dirty="0"/>
+              <a:t>Proveedor de servicio de servidores dedicados:</a:t>
             </a:r>
             <a:endParaRPr lang="en-US" sz="3200" dirty="0"/>
           </a:p>
@@ -5882,15 +5881,15 @@
       </p:sp>
       <p:pic>
         <p:nvPicPr>
-          <p:cNvPr id="10" name="Imagen 9" descr="Una captura de pantalla de una computadora&#10;&#10;Descripción generada automáticamente">
-            <a:extLst>
-              <a:ext uri="{FF2B5EF4-FFF2-40B4-BE49-F238E27FC236}">
-                <a16:creationId xmlns:a16="http://schemas.microsoft.com/office/drawing/2014/main" id="{F4889CF9-1E75-5844-B8F7-05117D6558DC}"/>
+          <p:cNvPr id="9" name="Picture 2" descr="Image result for 1and1">
+            <a:extLst>
+              <a:ext uri="{FF2B5EF4-FFF2-40B4-BE49-F238E27FC236}">
+                <a16:creationId xmlns:a16="http://schemas.microsoft.com/office/drawing/2014/main" id="{E35D1BB3-76C9-5F47-B045-D415136504F9}"/>
               </a:ext>
             </a:extLst>
           </p:cNvPr>
           <p:cNvPicPr>
-            <a:picLocks noChangeAspect="1"/>
+            <a:picLocks noChangeAspect="1" noChangeArrowheads="1"/>
           </p:cNvPicPr>
           <p:nvPr/>
         </p:nvPicPr>
@@ -5902,24 +5901,35 @@
               </a:ext>
             </a:extLst>
           </a:blip>
+          <a:srcRect/>
           <a:stretch>
             <a:fillRect/>
           </a:stretch>
         </p:blipFill>
-        <p:spPr>
-          <a:xfrm>
-            <a:off x="2188493" y="2047874"/>
-            <a:ext cx="8696337" cy="4020777"/>
-          </a:xfrm>
-          <a:prstGeom prst="rect">
-            <a:avLst/>
-          </a:prstGeom>
+        <p:spPr bwMode="auto">
+          <a:xfrm>
+            <a:off x="3177903" y="2458677"/>
+            <a:ext cx="6999640" cy="3674811"/>
+          </a:xfrm>
+          <a:prstGeom prst="rect">
+            <a:avLst/>
+          </a:prstGeom>
+          <a:noFill/>
+          <a:extLst>
+            <a:ext uri="{909E8E84-426E-40DD-AFC4-6F175D3DCCD1}">
+              <a14:hiddenFill xmlns:a14="http://schemas.microsoft.com/office/drawing/2010/main">
+                <a:solidFill>
+                  <a:srgbClr val="FFFFFF"/>
+                </a:solidFill>
+              </a14:hiddenFill>
+            </a:ext>
+          </a:extLst>
         </p:spPr>
       </p:pic>
     </p:spTree>
     <p:extLst>
       <p:ext uri="{BB962C8B-B14F-4D97-AF65-F5344CB8AC3E}">
-        <p14:creationId xmlns:p14="http://schemas.microsoft.com/office/powerpoint/2010/main" val="451107496"/>
+        <p14:creationId xmlns:p14="http://schemas.microsoft.com/office/powerpoint/2010/main" val="2809561291"/>
       </p:ext>
     </p:extLst>
   </p:cSld>
@@ -6211,7 +6221,7 @@
           <a:p>
             <a:r>
               <a:rPr lang="es-ES" sz="3200" dirty="0"/>
-              <a:t>Tabla Estudiantes </a:t>
+              <a:t>Base de datos creada con datos cargados</a:t>
             </a:r>
             <a:endParaRPr lang="en-US" sz="3200" dirty="0"/>
           </a:p>
@@ -6222,10 +6232,10 @@
       </p:sp>
       <p:pic>
         <p:nvPicPr>
-          <p:cNvPr id="9" name="Imagen 8" descr="Imagen que contiene captura de pantalla&#10;&#10;Descripción generada automáticamente">
-            <a:extLst>
-              <a:ext uri="{FF2B5EF4-FFF2-40B4-BE49-F238E27FC236}">
-                <a16:creationId xmlns:a16="http://schemas.microsoft.com/office/drawing/2014/main" id="{134592C5-5CE9-A64B-AFBE-EB82F5DFF4B6}"/>
+          <p:cNvPr id="10" name="Imagen 9" descr="Una captura de pantalla de una computadora&#10;&#10;Descripción generada automáticamente">
+            <a:extLst>
+              <a:ext uri="{FF2B5EF4-FFF2-40B4-BE49-F238E27FC236}">
+                <a16:creationId xmlns:a16="http://schemas.microsoft.com/office/drawing/2014/main" id="{F4889CF9-1E75-5844-B8F7-05117D6558DC}"/>
               </a:ext>
             </a:extLst>
           </p:cNvPr>
@@ -6248,8 +6258,8 @@
         </p:blipFill>
         <p:spPr>
           <a:xfrm>
-            <a:off x="2305724" y="2047874"/>
-            <a:ext cx="8515349" cy="4155348"/>
+            <a:off x="2188493" y="2047874"/>
+            <a:ext cx="8696337" cy="4020777"/>
           </a:xfrm>
           <a:prstGeom prst="rect">
             <a:avLst/>
@@ -6259,7 +6269,7 @@
     </p:spTree>
     <p:extLst>
       <p:ext uri="{BB962C8B-B14F-4D97-AF65-F5344CB8AC3E}">
-        <p14:creationId xmlns:p14="http://schemas.microsoft.com/office/powerpoint/2010/main" val="1870972655"/>
+        <p14:creationId xmlns:p14="http://schemas.microsoft.com/office/powerpoint/2010/main" val="451107496"/>
       </p:ext>
     </p:extLst>
   </p:cSld>
@@ -6535,7 +6545,7 @@
         </p:nvSpPr>
         <p:spPr>
           <a:xfrm>
-            <a:off x="1885950" y="1219199"/>
+            <a:off x="1885950" y="1368850"/>
             <a:ext cx="10142764" cy="892552"/>
           </a:xfrm>
           <a:prstGeom prst="rect">
@@ -6551,7 +6561,7 @@
           <a:p>
             <a:r>
               <a:rPr lang="es-ES" sz="3200" dirty="0"/>
-              <a:t>Tablas Preguntas</a:t>
+              <a:t>Tabla Estudiantes </a:t>
             </a:r>
             <a:endParaRPr lang="en-US" sz="3200" dirty="0"/>
           </a:p>
@@ -6562,10 +6572,10 @@
       </p:sp>
       <p:pic>
         <p:nvPicPr>
-          <p:cNvPr id="10" name="Imagen 9" descr="Una captura de pantalla de una computadora&#10;&#10;Descripción generada automáticamente">
-            <a:extLst>
-              <a:ext uri="{FF2B5EF4-FFF2-40B4-BE49-F238E27FC236}">
-                <a16:creationId xmlns:a16="http://schemas.microsoft.com/office/drawing/2014/main" id="{068F00F8-3C27-AC4D-94FA-2230C358383F}"/>
+          <p:cNvPr id="9" name="Imagen 8" descr="Imagen que contiene captura de pantalla&#10;&#10;Descripción generada automáticamente">
+            <a:extLst>
+              <a:ext uri="{FF2B5EF4-FFF2-40B4-BE49-F238E27FC236}">
+                <a16:creationId xmlns:a16="http://schemas.microsoft.com/office/drawing/2014/main" id="{134592C5-5CE9-A64B-AFBE-EB82F5DFF4B6}"/>
               </a:ext>
             </a:extLst>
           </p:cNvPr>
@@ -6588,8 +6598,8 @@
         </p:blipFill>
         <p:spPr>
           <a:xfrm>
-            <a:off x="2188493" y="1891474"/>
-            <a:ext cx="8362276" cy="4649611"/>
+            <a:off x="2305724" y="2047874"/>
+            <a:ext cx="8515349" cy="4155348"/>
           </a:xfrm>
           <a:prstGeom prst="rect">
             <a:avLst/>
@@ -6599,7 +6609,7 @@
     </p:spTree>
     <p:extLst>
       <p:ext uri="{BB962C8B-B14F-4D97-AF65-F5344CB8AC3E}">
-        <p14:creationId xmlns:p14="http://schemas.microsoft.com/office/powerpoint/2010/main" val="3786667569"/>
+        <p14:creationId xmlns:p14="http://schemas.microsoft.com/office/powerpoint/2010/main" val="1870972655"/>
       </p:ext>
     </p:extLst>
   </p:cSld>
@@ -6891,6 +6901,346 @@
           <a:p>
             <a:r>
               <a:rPr lang="es-ES" sz="3200" dirty="0"/>
+              <a:t>Tablas Preguntas</a:t>
+            </a:r>
+            <a:endParaRPr lang="en-US" sz="3200" dirty="0"/>
+          </a:p>
+          <a:p>
+            <a:endParaRPr lang="es-MX" sz="2000" b="1" dirty="0"/>
+          </a:p>
+        </p:txBody>
+      </p:sp>
+      <p:pic>
+        <p:nvPicPr>
+          <p:cNvPr id="10" name="Imagen 9" descr="Una captura de pantalla de una computadora&#10;&#10;Descripción generada automáticamente">
+            <a:extLst>
+              <a:ext uri="{FF2B5EF4-FFF2-40B4-BE49-F238E27FC236}">
+                <a16:creationId xmlns:a16="http://schemas.microsoft.com/office/drawing/2014/main" id="{068F00F8-3C27-AC4D-94FA-2230C358383F}"/>
+              </a:ext>
+            </a:extLst>
+          </p:cNvPr>
+          <p:cNvPicPr>
+            <a:picLocks noChangeAspect="1"/>
+          </p:cNvPicPr>
+          <p:nvPr/>
+        </p:nvPicPr>
+        <p:blipFill>
+          <a:blip r:embed="rId3">
+            <a:extLst>
+              <a:ext uri="{28A0092B-C50C-407E-A947-70E740481C1C}">
+                <a14:useLocalDpi xmlns:a14="http://schemas.microsoft.com/office/drawing/2010/main" val="0"/>
+              </a:ext>
+            </a:extLst>
+          </a:blip>
+          <a:stretch>
+            <a:fillRect/>
+          </a:stretch>
+        </p:blipFill>
+        <p:spPr>
+          <a:xfrm>
+            <a:off x="2188493" y="1891474"/>
+            <a:ext cx="8362276" cy="4649611"/>
+          </a:xfrm>
+          <a:prstGeom prst="rect">
+            <a:avLst/>
+          </a:prstGeom>
+        </p:spPr>
+      </p:pic>
+    </p:spTree>
+    <p:extLst>
+      <p:ext uri="{BB962C8B-B14F-4D97-AF65-F5344CB8AC3E}">
+        <p14:creationId xmlns:p14="http://schemas.microsoft.com/office/powerpoint/2010/main" val="3786667569"/>
+      </p:ext>
+    </p:extLst>
+  </p:cSld>
+  <p:clrMapOvr>
+    <a:masterClrMapping/>
+  </p:clrMapOvr>
+</p:sld>
+</file>
+
+<file path=ppt/slides/slide18.xml><?xml version="1.0" encoding="utf-8"?>
+<p:sld xmlns:a="http://schemas.openxmlformats.org/drawingml/2006/main" xmlns:r="http://schemas.openxmlformats.org/officeDocument/2006/relationships" xmlns:p="http://schemas.openxmlformats.org/presentationml/2006/main">
+  <p:cSld>
+    <p:spTree>
+      <p:nvGrpSpPr>
+        <p:cNvPr id="1" name=""/>
+        <p:cNvGrpSpPr/>
+        <p:nvPr/>
+      </p:nvGrpSpPr>
+      <p:grpSpPr>
+        <a:xfrm>
+          <a:off x="0" y="0"/>
+          <a:ext cx="0" cy="0"/>
+          <a:chOff x="0" y="0"/>
+          <a:chExt cx="0" cy="0"/>
+        </a:xfrm>
+      </p:grpSpPr>
+      <p:sp>
+        <p:nvSpPr>
+          <p:cNvPr id="6" name="Rectángulo 5">
+            <a:extLst>
+              <a:ext uri="{FF2B5EF4-FFF2-40B4-BE49-F238E27FC236}">
+                <a16:creationId xmlns:a16="http://schemas.microsoft.com/office/drawing/2014/main" id="{1E9069AA-FFD9-4510-93EB-CBCE6995672B}"/>
+              </a:ext>
+            </a:extLst>
+          </p:cNvPr>
+          <p:cNvSpPr/>
+          <p:nvPr/>
+        </p:nvSpPr>
+        <p:spPr>
+          <a:xfrm rot="5400000">
+            <a:off x="6062662" y="-4957763"/>
+            <a:ext cx="66675" cy="12192000"/>
+          </a:xfrm>
+          <a:prstGeom prst="rect">
+            <a:avLst/>
+          </a:prstGeom>
+          <a:solidFill>
+            <a:srgbClr val="201A55"/>
+          </a:solidFill>
+          <a:ln>
+            <a:noFill/>
+          </a:ln>
+        </p:spPr>
+        <p:style>
+          <a:lnRef idx="2">
+            <a:schemeClr val="accent1">
+              <a:shade val="50000"/>
+            </a:schemeClr>
+          </a:lnRef>
+          <a:fillRef idx="1">
+            <a:schemeClr val="accent1"/>
+          </a:fillRef>
+          <a:effectRef idx="0">
+            <a:schemeClr val="accent1"/>
+          </a:effectRef>
+          <a:fontRef idx="minor">
+            <a:schemeClr val="lt1"/>
+          </a:fontRef>
+        </p:style>
+        <p:txBody>
+          <a:bodyPr rtlCol="0" anchor="ctr"/>
+          <a:lstStyle/>
+          <a:p>
+            <a:pPr algn="ctr"/>
+            <a:endParaRPr lang="es-MX"/>
+          </a:p>
+        </p:txBody>
+      </p:sp>
+      <p:pic>
+        <p:nvPicPr>
+          <p:cNvPr id="4" name="Imagen 3">
+            <a:extLst>
+              <a:ext uri="{FF2B5EF4-FFF2-40B4-BE49-F238E27FC236}">
+                <a16:creationId xmlns:a16="http://schemas.microsoft.com/office/drawing/2014/main" id="{4C0EDDC4-ED56-4985-977A-F1558D043FFD}"/>
+              </a:ext>
+            </a:extLst>
+          </p:cNvPr>
+          <p:cNvPicPr>
+            <a:picLocks noChangeAspect="1"/>
+          </p:cNvPicPr>
+          <p:nvPr/>
+        </p:nvPicPr>
+        <p:blipFill rotWithShape="1">
+          <a:blip r:embed="rId2"/>
+          <a:srcRect l="6930" t="7236" r="7355" b="7352"/>
+          <a:stretch/>
+        </p:blipFill>
+        <p:spPr>
+          <a:xfrm>
+            <a:off x="0" y="0"/>
+            <a:ext cx="1469107" cy="947885"/>
+          </a:xfrm>
+          <a:prstGeom prst="rect">
+            <a:avLst/>
+          </a:prstGeom>
+        </p:spPr>
+      </p:pic>
+      <p:sp>
+        <p:nvSpPr>
+          <p:cNvPr id="5" name="Rectángulo 4">
+            <a:extLst>
+              <a:ext uri="{FF2B5EF4-FFF2-40B4-BE49-F238E27FC236}">
+                <a16:creationId xmlns:a16="http://schemas.microsoft.com/office/drawing/2014/main" id="{72C8899C-7420-4C9A-9683-A7376A5CF992}"/>
+              </a:ext>
+            </a:extLst>
+          </p:cNvPr>
+          <p:cNvSpPr/>
+          <p:nvPr/>
+        </p:nvSpPr>
+        <p:spPr>
+          <a:xfrm>
+            <a:off x="1771650" y="0"/>
+            <a:ext cx="114300" cy="6858000"/>
+          </a:xfrm>
+          <a:prstGeom prst="rect">
+            <a:avLst/>
+          </a:prstGeom>
+          <a:solidFill>
+            <a:srgbClr val="662583"/>
+          </a:solidFill>
+          <a:ln>
+            <a:noFill/>
+          </a:ln>
+        </p:spPr>
+        <p:style>
+          <a:lnRef idx="2">
+            <a:schemeClr val="accent1">
+              <a:shade val="50000"/>
+            </a:schemeClr>
+          </a:lnRef>
+          <a:fillRef idx="1">
+            <a:schemeClr val="accent1"/>
+          </a:fillRef>
+          <a:effectRef idx="0">
+            <a:schemeClr val="accent1"/>
+          </a:effectRef>
+          <a:fontRef idx="minor">
+            <a:schemeClr val="lt1"/>
+          </a:fontRef>
+        </p:style>
+        <p:txBody>
+          <a:bodyPr rtlCol="0" anchor="ctr"/>
+          <a:lstStyle/>
+          <a:p>
+            <a:pPr algn="ctr"/>
+            <a:endParaRPr lang="es-MX"/>
+          </a:p>
+        </p:txBody>
+      </p:sp>
+      <p:sp>
+        <p:nvSpPr>
+          <p:cNvPr id="7" name="Rectángulo 6">
+            <a:extLst>
+              <a:ext uri="{FF2B5EF4-FFF2-40B4-BE49-F238E27FC236}">
+                <a16:creationId xmlns:a16="http://schemas.microsoft.com/office/drawing/2014/main" id="{B0C16E31-A5E6-40CD-AFC2-3643D0816ABA}"/>
+              </a:ext>
+            </a:extLst>
+          </p:cNvPr>
+          <p:cNvSpPr/>
+          <p:nvPr/>
+        </p:nvSpPr>
+        <p:spPr>
+          <a:xfrm rot="5400000">
+            <a:off x="6062662" y="-5072063"/>
+            <a:ext cx="66675" cy="12192000"/>
+          </a:xfrm>
+          <a:prstGeom prst="rect">
+            <a:avLst/>
+          </a:prstGeom>
+          <a:solidFill>
+            <a:srgbClr val="12A09B"/>
+          </a:solidFill>
+          <a:ln>
+            <a:noFill/>
+          </a:ln>
+        </p:spPr>
+        <p:style>
+          <a:lnRef idx="2">
+            <a:schemeClr val="accent1">
+              <a:shade val="50000"/>
+            </a:schemeClr>
+          </a:lnRef>
+          <a:fillRef idx="1">
+            <a:schemeClr val="accent1"/>
+          </a:fillRef>
+          <a:effectRef idx="0">
+            <a:schemeClr val="accent1"/>
+          </a:effectRef>
+          <a:fontRef idx="minor">
+            <a:schemeClr val="lt1"/>
+          </a:fontRef>
+        </p:style>
+        <p:txBody>
+          <a:bodyPr rtlCol="0" anchor="ctr"/>
+          <a:lstStyle/>
+          <a:p>
+            <a:pPr algn="ctr"/>
+            <a:endParaRPr lang="es-MX"/>
+          </a:p>
+        </p:txBody>
+      </p:sp>
+      <p:sp>
+        <p:nvSpPr>
+          <p:cNvPr id="8" name="Rectángulo 7">
+            <a:extLst>
+              <a:ext uri="{FF2B5EF4-FFF2-40B4-BE49-F238E27FC236}">
+                <a16:creationId xmlns:a16="http://schemas.microsoft.com/office/drawing/2014/main" id="{91CE3BA0-8FF6-4177-8510-25BAEA5E9963}"/>
+              </a:ext>
+            </a:extLst>
+          </p:cNvPr>
+          <p:cNvSpPr/>
+          <p:nvPr/>
+        </p:nvSpPr>
+        <p:spPr>
+          <a:xfrm>
+            <a:off x="2590800" y="62211"/>
+            <a:ext cx="9350829" cy="923330"/>
+          </a:xfrm>
+          <a:prstGeom prst="rect">
+            <a:avLst/>
+          </a:prstGeom>
+          <a:noFill/>
+        </p:spPr>
+        <p:txBody>
+          <a:bodyPr wrap="square" lIns="91440" tIns="45720" rIns="91440" bIns="45720">
+            <a:spAutoFit/>
+          </a:bodyPr>
+          <a:lstStyle/>
+          <a:p>
+            <a:pPr algn="ctr"/>
+            <a:r>
+              <a:rPr lang="es-ES" sz="5400" b="0" cap="none" spc="0" dirty="0">
+                <a:ln w="0"/>
+                <a:solidFill>
+                  <a:srgbClr val="201A55"/>
+                </a:solidFill>
+                <a:effectLst>
+                  <a:outerShdw blurRad="38100" dist="19050" dir="2700000" algn="tl" rotWithShape="0">
+                    <a:schemeClr val="dk1">
+                      <a:alpha val="40000"/>
+                    </a:schemeClr>
+                  </a:outerShdw>
+                </a:effectLst>
+                <a:latin typeface="Arial" panose="020B0604020202020204" pitchFamily="34" charset="0"/>
+                <a:cs typeface="Arial" panose="020B0604020202020204" pitchFamily="34" charset="0"/>
+              </a:rPr>
+              <a:t>Bases de Datos</a:t>
+            </a:r>
+          </a:p>
+        </p:txBody>
+      </p:sp>
+      <p:sp>
+        <p:nvSpPr>
+          <p:cNvPr id="3" name="CuadroTexto 2">
+            <a:extLst>
+              <a:ext uri="{FF2B5EF4-FFF2-40B4-BE49-F238E27FC236}">
+                <a16:creationId xmlns:a16="http://schemas.microsoft.com/office/drawing/2014/main" id="{F90B8A2A-F6B9-0546-8594-F8541F7613A4}"/>
+              </a:ext>
+            </a:extLst>
+          </p:cNvPr>
+          <p:cNvSpPr txBox="1"/>
+          <p:nvPr/>
+        </p:nvSpPr>
+        <p:spPr>
+          <a:xfrm>
+            <a:off x="1885950" y="1219199"/>
+            <a:ext cx="10142764" cy="892552"/>
+          </a:xfrm>
+          <a:prstGeom prst="rect">
+            <a:avLst/>
+          </a:prstGeom>
+          <a:noFill/>
+        </p:spPr>
+        <p:txBody>
+          <a:bodyPr wrap="square" rtlCol="0">
+            <a:spAutoFit/>
+          </a:bodyPr>
+          <a:lstStyle/>
+          <a:p>
+            <a:r>
+              <a:rPr lang="es-ES" sz="3200" dirty="0"/>
               <a:t>Script SQL </a:t>
             </a:r>
             <a:endParaRPr lang="en-US" sz="3200" dirty="0"/>
@@ -6951,7 +7301,7 @@
 </p:sld>
 </file>
 
-<file path=ppt/slides/slide18.xml><?xml version="1.0" encoding="utf-8"?>
+<file path=ppt/slides/slide19.xml><?xml version="1.0" encoding="utf-8"?>
 <p:sld xmlns:a="http://schemas.openxmlformats.org/drawingml/2006/main" xmlns:r="http://schemas.openxmlformats.org/officeDocument/2006/relationships" xmlns:p="http://schemas.openxmlformats.org/presentationml/2006/main">
   <p:cSld>
     <p:spTree>
@@ -7536,7 +7886,7 @@
           <a:p>
             <a:r>
               <a:rPr lang="es-MX" sz="2000" b="1" dirty="0"/>
-              <a:t>REPORTE DE USABILIDAD: </a:t>
+              <a:t>REQUISITOS FUNCIONALES: </a:t>
             </a:r>
           </a:p>
         </p:txBody>
@@ -7556,7 +7906,7 @@
         <p:spPr>
           <a:xfrm>
             <a:off x="2529399" y="1976140"/>
-            <a:ext cx="4465581" cy="369332"/>
+            <a:ext cx="1542410" cy="369332"/>
           </a:xfrm>
           <a:prstGeom prst="rect">
             <a:avLst/>
@@ -7571,21 +7921,8 @@
           <a:p>
             <a:r>
               <a:rPr lang="es-MX" dirty="0"/>
-              <a:t>- Aspecto a </a:t>
-            </a:r>
-            <a:r>
-              <a:rPr lang="es-MX" b="1" dirty="0"/>
-              <a:t>mejorar</a:t>
-            </a:r>
-            <a:r>
-              <a:rPr lang="es-MX" dirty="0"/>
-              <a:t>: </a:t>
-            </a:r>
-            <a:r>
-              <a:rPr lang="es-MX" b="1" dirty="0"/>
-              <a:t>Botón de iniciar examen</a:t>
-            </a:r>
-            <a:endParaRPr lang="es-MX" dirty="0"/>
+              <a:t>- Iniciar Sesion</a:t>
+            </a:r>
           </a:p>
         </p:txBody>
       </p:sp>
@@ -7604,7 +7941,7 @@
         <p:spPr>
           <a:xfrm>
             <a:off x="2529399" y="2503706"/>
-            <a:ext cx="7844712" cy="646331"/>
+            <a:ext cx="1611403" cy="646331"/>
           </a:xfrm>
           <a:prstGeom prst="rect">
             <a:avLst/>
@@ -7619,15 +7956,7 @@
           <a:p>
             <a:r>
               <a:rPr lang="es-MX" dirty="0"/>
-              <a:t>- Aspecto a </a:t>
-            </a:r>
-            <a:r>
-              <a:rPr lang="es-MX" b="1" dirty="0"/>
-              <a:t>mejorar</a:t>
-            </a:r>
-            <a:r>
-              <a:rPr lang="es-MX" dirty="0"/>
-              <a:t>: Estética y Diseño sobre los diferentes tipos de competencias.</a:t>
+              <a:t>- Cerrar Sesion.</a:t>
             </a:r>
             <a:endParaRPr lang="es-MX" b="1" dirty="0"/>
           </a:p>
@@ -7651,7 +7980,7 @@
         <p:spPr>
           <a:xfrm>
             <a:off x="2529399" y="3005853"/>
-            <a:ext cx="6436314" cy="646331"/>
+            <a:ext cx="2385974" cy="369332"/>
           </a:xfrm>
           <a:prstGeom prst="rect">
             <a:avLst/>
@@ -7666,20 +7995,8 @@
           <a:p>
             <a:r>
               <a:rPr lang="es-MX" dirty="0"/>
-              <a:t>- Aspecto a </a:t>
-            </a:r>
-            <a:r>
-              <a:rPr lang="es-MX" b="1" dirty="0"/>
-              <a:t>mejorar</a:t>
-            </a:r>
-            <a:r>
-              <a:rPr lang="es-MX" dirty="0"/>
-              <a:t>: Estética y Diseño al agregar un nuevo examen.</a:t>
-            </a:r>
-            <a:endParaRPr lang="es-MX" b="1" dirty="0"/>
-          </a:p>
-          <a:p>
-            <a:endParaRPr lang="es-MX" dirty="0"/>
+              <a:t>- Recuperar Contraseña</a:t>
+            </a:r>
           </a:p>
         </p:txBody>
       </p:sp>
@@ -7697,8 +8014,8 @@
         </p:nvSpPr>
         <p:spPr>
           <a:xfrm>
-            <a:off x="2529399" y="3367088"/>
-            <a:ext cx="7666458" cy="923330"/>
+            <a:off x="2529399" y="3556946"/>
+            <a:ext cx="1727396" cy="646331"/>
           </a:xfrm>
           <a:prstGeom prst="rect">
             <a:avLst/>
@@ -7711,20 +8028,9 @@
           </a:bodyPr>
           <a:lstStyle/>
           <a:p>
-            <a:br>
+            <a:r>
               <a:rPr lang="es-MX" dirty="0"/>
-            </a:br>
-            <a:r>
-              <a:rPr lang="es-MX" dirty="0"/>
-              <a:t>- Aspecto a </a:t>
-            </a:r>
-            <a:r>
-              <a:rPr lang="es-MX" b="1" dirty="0"/>
-              <a:t>mejorar</a:t>
-            </a:r>
-            <a:r>
-              <a:rPr lang="es-MX" dirty="0"/>
-              <a:t>: El texto no escala con el tamaño de la barra de navegación.</a:t>
+              <a:t>- Iniciar Examen </a:t>
             </a:r>
           </a:p>
           <a:p>
@@ -7746,8 +8052,8 @@
         </p:nvSpPr>
         <p:spPr>
           <a:xfrm>
-            <a:off x="2529399" y="4154331"/>
-            <a:ext cx="4244175" cy="923330"/>
+            <a:off x="2515173" y="4697031"/>
+            <a:ext cx="2284856" cy="923330"/>
           </a:xfrm>
           <a:prstGeom prst="rect">
             <a:avLst/>
@@ -7762,21 +8068,8 @@
           <a:p>
             <a:r>
               <a:rPr lang="es-MX" dirty="0"/>
-              <a:t>- Aspecto a </a:t>
-            </a:r>
-            <a:r>
-              <a:rPr lang="es-MX" b="1" dirty="0"/>
-              <a:t>mejorar</a:t>
-            </a:r>
-            <a:r>
-              <a:rPr lang="es-MX" dirty="0"/>
-              <a:t>: </a:t>
-            </a:r>
-            <a:r>
-              <a:rPr lang="es-MX" b="1" dirty="0"/>
-              <a:t>Prevención de errores</a:t>
-            </a:r>
-            <a:endParaRPr lang="es-MX" dirty="0"/>
+              <a:t>- Seleccionar Reactivo </a:t>
+            </a:r>
           </a:p>
           <a:p>
             <a:br>
@@ -7800,7 +8093,7 @@
         </p:nvSpPr>
         <p:spPr>
           <a:xfrm>
-            <a:off x="2529399" y="5568435"/>
+            <a:off x="2417541" y="6147628"/>
             <a:ext cx="3446521" cy="369332"/>
           </a:xfrm>
           <a:prstGeom prst="rect">
@@ -7817,6 +8110,187 @@
             <a:r>
               <a:rPr lang="es-MX" b="1" i="1" u="sng" dirty="0"/>
               <a:t>https://cbtis.construtec.xyz/home</a:t>
+            </a:r>
+          </a:p>
+        </p:txBody>
+      </p:sp>
+      <p:sp>
+        <p:nvSpPr>
+          <p:cNvPr id="15" name="CuadroTexto 14">
+            <a:extLst>
+              <a:ext uri="{FF2B5EF4-FFF2-40B4-BE49-F238E27FC236}">
+                <a16:creationId xmlns:a16="http://schemas.microsoft.com/office/drawing/2014/main" id="{BADA876B-C37F-AA4A-BA6F-63CFC29DA774}"/>
+              </a:ext>
+            </a:extLst>
+          </p:cNvPr>
+          <p:cNvSpPr txBox="1"/>
+          <p:nvPr/>
+        </p:nvSpPr>
+        <p:spPr>
+          <a:xfrm>
+            <a:off x="2529399" y="4070851"/>
+            <a:ext cx="1990610" cy="923330"/>
+          </a:xfrm>
+          <a:prstGeom prst="rect">
+            <a:avLst/>
+          </a:prstGeom>
+          <a:noFill/>
+        </p:spPr>
+        <p:txBody>
+          <a:bodyPr wrap="none" rtlCol="0">
+            <a:spAutoFit/>
+          </a:bodyPr>
+          <a:lstStyle/>
+          <a:p>
+            <a:r>
+              <a:rPr lang="es-MX" dirty="0"/>
+              <a:t>- Terminar Examen </a:t>
+            </a:r>
+          </a:p>
+          <a:p>
+            <a:br>
+              <a:rPr lang="es-MX" dirty="0"/>
+            </a:br>
+            <a:endParaRPr lang="es-MX" dirty="0"/>
+          </a:p>
+        </p:txBody>
+      </p:sp>
+      <p:sp>
+        <p:nvSpPr>
+          <p:cNvPr id="16" name="CuadroTexto 15">
+            <a:extLst>
+              <a:ext uri="{FF2B5EF4-FFF2-40B4-BE49-F238E27FC236}">
+                <a16:creationId xmlns:a16="http://schemas.microsoft.com/office/drawing/2014/main" id="{148EB440-640F-D24A-A7DF-BBA101DE504B}"/>
+              </a:ext>
+            </a:extLst>
+          </p:cNvPr>
+          <p:cNvSpPr txBox="1"/>
+          <p:nvPr/>
+        </p:nvSpPr>
+        <p:spPr>
+          <a:xfrm>
+            <a:off x="7020731" y="2094369"/>
+            <a:ext cx="1927451" cy="369332"/>
+          </a:xfrm>
+          <a:prstGeom prst="rect">
+            <a:avLst/>
+          </a:prstGeom>
+          <a:noFill/>
+        </p:spPr>
+        <p:txBody>
+          <a:bodyPr wrap="none" rtlCol="0">
+            <a:spAutoFit/>
+          </a:bodyPr>
+          <a:lstStyle/>
+          <a:p>
+            <a:r>
+              <a:rPr lang="es-MX" dirty="0"/>
+              <a:t>- Guardar Reactivo</a:t>
+            </a:r>
+          </a:p>
+        </p:txBody>
+      </p:sp>
+      <p:sp>
+        <p:nvSpPr>
+          <p:cNvPr id="17" name="CuadroTexto 16">
+            <a:extLst>
+              <a:ext uri="{FF2B5EF4-FFF2-40B4-BE49-F238E27FC236}">
+                <a16:creationId xmlns:a16="http://schemas.microsoft.com/office/drawing/2014/main" id="{82117A34-E82C-6741-8E83-E5C772E5C56E}"/>
+              </a:ext>
+            </a:extLst>
+          </p:cNvPr>
+          <p:cNvSpPr txBox="1"/>
+          <p:nvPr/>
+        </p:nvSpPr>
+        <p:spPr>
+          <a:xfrm>
+            <a:off x="7020731" y="2611704"/>
+            <a:ext cx="1868460" cy="369332"/>
+          </a:xfrm>
+          <a:prstGeom prst="rect">
+            <a:avLst/>
+          </a:prstGeom>
+          <a:noFill/>
+        </p:spPr>
+        <p:txBody>
+          <a:bodyPr wrap="none" rtlCol="0">
+            <a:spAutoFit/>
+          </a:bodyPr>
+          <a:lstStyle/>
+          <a:p>
+            <a:r>
+              <a:rPr lang="es-MX" dirty="0"/>
+              <a:t>- Eliminar Examen</a:t>
+            </a:r>
+          </a:p>
+        </p:txBody>
+      </p:sp>
+      <p:sp>
+        <p:nvSpPr>
+          <p:cNvPr id="18" name="CuadroTexto 17">
+            <a:extLst>
+              <a:ext uri="{FF2B5EF4-FFF2-40B4-BE49-F238E27FC236}">
+                <a16:creationId xmlns:a16="http://schemas.microsoft.com/office/drawing/2014/main" id="{012685C6-3897-1445-809A-1EED5D8DBBCD}"/>
+              </a:ext>
+            </a:extLst>
+          </p:cNvPr>
+          <p:cNvSpPr txBox="1"/>
+          <p:nvPr/>
+        </p:nvSpPr>
+        <p:spPr>
+          <a:xfrm>
+            <a:off x="7020666" y="3125542"/>
+            <a:ext cx="1868525" cy="369332"/>
+          </a:xfrm>
+          <a:prstGeom prst="rect">
+            <a:avLst/>
+          </a:prstGeom>
+          <a:noFill/>
+        </p:spPr>
+        <p:txBody>
+          <a:bodyPr wrap="none" rtlCol="0">
+            <a:spAutoFit/>
+          </a:bodyPr>
+          <a:lstStyle/>
+          <a:p>
+            <a:r>
+              <a:rPr lang="es-MX" dirty="0"/>
+              <a:t>- Guardar Examen</a:t>
+            </a:r>
+          </a:p>
+        </p:txBody>
+      </p:sp>
+      <p:sp>
+        <p:nvSpPr>
+          <p:cNvPr id="19" name="CuadroTexto 18">
+            <a:extLst>
+              <a:ext uri="{FF2B5EF4-FFF2-40B4-BE49-F238E27FC236}">
+                <a16:creationId xmlns:a16="http://schemas.microsoft.com/office/drawing/2014/main" id="{E61B0A7F-DC7A-BE49-83E3-2C809FFAC70E}"/>
+              </a:ext>
+            </a:extLst>
+          </p:cNvPr>
+          <p:cNvSpPr txBox="1"/>
+          <p:nvPr/>
+        </p:nvSpPr>
+        <p:spPr>
+          <a:xfrm>
+            <a:off x="7020666" y="3639380"/>
+            <a:ext cx="2003882" cy="369332"/>
+          </a:xfrm>
+          <a:prstGeom prst="rect">
+            <a:avLst/>
+          </a:prstGeom>
+          <a:noFill/>
+        </p:spPr>
+        <p:txBody>
+          <a:bodyPr wrap="none" rtlCol="0">
+            <a:spAutoFit/>
+          </a:bodyPr>
+          <a:lstStyle/>
+          <a:p>
+            <a:r>
+              <a:rPr lang="es-MX" dirty="0"/>
+              <a:t>- Reanudar Examen</a:t>
             </a:r>
           </a:p>
         </p:txBody>
@@ -8101,7 +8575,7 @@
         <p:spPr>
           <a:xfrm>
             <a:off x="2014321" y="1368850"/>
-            <a:ext cx="5823393" cy="400110"/>
+            <a:ext cx="3094131" cy="400110"/>
           </a:xfrm>
           <a:prstGeom prst="rect">
             <a:avLst/>
@@ -8115,65 +8589,296 @@
           <a:lstStyle/>
           <a:p>
             <a:r>
-              <a:rPr lang="es-MX" sz="2000" dirty="0"/>
+              <a:rPr lang="es-MX" sz="2000" b="1" dirty="0"/>
+              <a:t>REPORTE DE USABILIDAD: </a:t>
+            </a:r>
+          </a:p>
+        </p:txBody>
+      </p:sp>
+      <p:sp>
+        <p:nvSpPr>
+          <p:cNvPr id="9" name="CuadroTexto 8">
+            <a:extLst>
+              <a:ext uri="{FF2B5EF4-FFF2-40B4-BE49-F238E27FC236}">
+                <a16:creationId xmlns:a16="http://schemas.microsoft.com/office/drawing/2014/main" id="{DB1BDA12-9C0C-084B-8D1D-130B394B77D1}"/>
+              </a:ext>
+            </a:extLst>
+          </p:cNvPr>
+          <p:cNvSpPr txBox="1"/>
+          <p:nvPr/>
+        </p:nvSpPr>
+        <p:spPr>
+          <a:xfrm>
+            <a:off x="2529399" y="1976140"/>
+            <a:ext cx="4465581" cy="369332"/>
+          </a:xfrm>
+          <a:prstGeom prst="rect">
+            <a:avLst/>
+          </a:prstGeom>
+          <a:noFill/>
+        </p:spPr>
+        <p:txBody>
+          <a:bodyPr wrap="none" rtlCol="0">
+            <a:spAutoFit/>
+          </a:bodyPr>
+          <a:lstStyle/>
+          <a:p>
+            <a:r>
+              <a:rPr lang="es-MX" dirty="0"/>
               <a:t>- Aspecto a </a:t>
             </a:r>
             <a:r>
-              <a:rPr lang="es-MX" sz="2000" b="1" dirty="0"/>
+              <a:rPr lang="es-MX" b="1" dirty="0"/>
               <a:t>mejorar</a:t>
             </a:r>
             <a:r>
-              <a:rPr lang="es-MX" sz="2000" dirty="0"/>
+              <a:rPr lang="es-MX" dirty="0"/>
               <a:t>: </a:t>
             </a:r>
             <a:r>
-              <a:rPr lang="es-MX" sz="2000" b="1" dirty="0"/>
+              <a:rPr lang="es-MX" b="1" dirty="0"/>
               <a:t>Botón de iniciar examen</a:t>
             </a:r>
-            <a:endParaRPr lang="es-MX" sz="2000" dirty="0"/>
-          </a:p>
-        </p:txBody>
-      </p:sp>
-      <p:pic>
-        <p:nvPicPr>
-          <p:cNvPr id="9" name="Imagen 8" descr="Una captura de pantalla de una computadora&#10;&#10;Descripción generada automáticamente">
-            <a:extLst>
-              <a:ext uri="{FF2B5EF4-FFF2-40B4-BE49-F238E27FC236}">
-                <a16:creationId xmlns:a16="http://schemas.microsoft.com/office/drawing/2014/main" id="{B75256DC-659D-7D46-8CAE-C2D350AFC24A}"/>
-              </a:ext>
-            </a:extLst>
-          </p:cNvPr>
-          <p:cNvPicPr>
-            <a:picLocks noChangeAspect="1"/>
-          </p:cNvPicPr>
-          <p:nvPr/>
-        </p:nvPicPr>
-        <p:blipFill>
-          <a:blip r:embed="rId3">
-            <a:extLst>
-              <a:ext uri="{28A0092B-C50C-407E-A947-70E740481C1C}">
-                <a14:useLocalDpi xmlns:a14="http://schemas.microsoft.com/office/drawing/2010/main" val="0"/>
-              </a:ext>
-            </a:extLst>
-          </a:blip>
-          <a:stretch>
-            <a:fillRect/>
-          </a:stretch>
-        </p:blipFill>
-        <p:spPr>
-          <a:xfrm>
-            <a:off x="2613036" y="1768960"/>
-            <a:ext cx="8435964" cy="4782357"/>
-          </a:xfrm>
-          <a:prstGeom prst="rect">
-            <a:avLst/>
-          </a:prstGeom>
-        </p:spPr>
-      </p:pic>
+            <a:endParaRPr lang="es-MX" dirty="0"/>
+          </a:p>
+        </p:txBody>
+      </p:sp>
+      <p:sp>
+        <p:nvSpPr>
+          <p:cNvPr id="10" name="CuadroTexto 9">
+            <a:extLst>
+              <a:ext uri="{FF2B5EF4-FFF2-40B4-BE49-F238E27FC236}">
+                <a16:creationId xmlns:a16="http://schemas.microsoft.com/office/drawing/2014/main" id="{0BDF4C97-D5E7-FC40-B0EB-7CC6D0E106AE}"/>
+              </a:ext>
+            </a:extLst>
+          </p:cNvPr>
+          <p:cNvSpPr txBox="1"/>
+          <p:nvPr/>
+        </p:nvSpPr>
+        <p:spPr>
+          <a:xfrm>
+            <a:off x="2529399" y="2503706"/>
+            <a:ext cx="7844712" cy="646331"/>
+          </a:xfrm>
+          <a:prstGeom prst="rect">
+            <a:avLst/>
+          </a:prstGeom>
+          <a:noFill/>
+        </p:spPr>
+        <p:txBody>
+          <a:bodyPr wrap="none" rtlCol="0">
+            <a:spAutoFit/>
+          </a:bodyPr>
+          <a:lstStyle/>
+          <a:p>
+            <a:r>
+              <a:rPr lang="es-MX" dirty="0"/>
+              <a:t>- Aspecto a </a:t>
+            </a:r>
+            <a:r>
+              <a:rPr lang="es-MX" b="1" dirty="0"/>
+              <a:t>mejorar</a:t>
+            </a:r>
+            <a:r>
+              <a:rPr lang="es-MX" dirty="0"/>
+              <a:t>: Estética y Diseño sobre los diferentes tipos de competencias.</a:t>
+            </a:r>
+            <a:endParaRPr lang="es-MX" b="1" dirty="0"/>
+          </a:p>
+          <a:p>
+            <a:endParaRPr lang="es-MX" dirty="0"/>
+          </a:p>
+        </p:txBody>
+      </p:sp>
+      <p:sp>
+        <p:nvSpPr>
+          <p:cNvPr id="11" name="CuadroTexto 10">
+            <a:extLst>
+              <a:ext uri="{FF2B5EF4-FFF2-40B4-BE49-F238E27FC236}">
+                <a16:creationId xmlns:a16="http://schemas.microsoft.com/office/drawing/2014/main" id="{FCE8A674-8389-0C48-80F1-F053D0DC3A30}"/>
+              </a:ext>
+            </a:extLst>
+          </p:cNvPr>
+          <p:cNvSpPr txBox="1"/>
+          <p:nvPr/>
+        </p:nvSpPr>
+        <p:spPr>
+          <a:xfrm>
+            <a:off x="2529399" y="3005853"/>
+            <a:ext cx="6436314" cy="646331"/>
+          </a:xfrm>
+          <a:prstGeom prst="rect">
+            <a:avLst/>
+          </a:prstGeom>
+          <a:noFill/>
+        </p:spPr>
+        <p:txBody>
+          <a:bodyPr wrap="none" rtlCol="0">
+            <a:spAutoFit/>
+          </a:bodyPr>
+          <a:lstStyle/>
+          <a:p>
+            <a:r>
+              <a:rPr lang="es-MX" dirty="0"/>
+              <a:t>- Aspecto a </a:t>
+            </a:r>
+            <a:r>
+              <a:rPr lang="es-MX" b="1" dirty="0"/>
+              <a:t>mejorar</a:t>
+            </a:r>
+            <a:r>
+              <a:rPr lang="es-MX" dirty="0"/>
+              <a:t>: Estética y Diseño al agregar un nuevo examen.</a:t>
+            </a:r>
+            <a:endParaRPr lang="es-MX" b="1" dirty="0"/>
+          </a:p>
+          <a:p>
+            <a:endParaRPr lang="es-MX" dirty="0"/>
+          </a:p>
+        </p:txBody>
+      </p:sp>
+      <p:sp>
+        <p:nvSpPr>
+          <p:cNvPr id="12" name="CuadroTexto 11">
+            <a:extLst>
+              <a:ext uri="{FF2B5EF4-FFF2-40B4-BE49-F238E27FC236}">
+                <a16:creationId xmlns:a16="http://schemas.microsoft.com/office/drawing/2014/main" id="{8BC6E685-4698-884E-B30E-2ACBCFCD9DFA}"/>
+              </a:ext>
+            </a:extLst>
+          </p:cNvPr>
+          <p:cNvSpPr txBox="1"/>
+          <p:nvPr/>
+        </p:nvSpPr>
+        <p:spPr>
+          <a:xfrm>
+            <a:off x="2529399" y="3367088"/>
+            <a:ext cx="7666458" cy="923330"/>
+          </a:xfrm>
+          <a:prstGeom prst="rect">
+            <a:avLst/>
+          </a:prstGeom>
+          <a:noFill/>
+        </p:spPr>
+        <p:txBody>
+          <a:bodyPr wrap="none" rtlCol="0">
+            <a:spAutoFit/>
+          </a:bodyPr>
+          <a:lstStyle/>
+          <a:p>
+            <a:br>
+              <a:rPr lang="es-MX" dirty="0"/>
+            </a:br>
+            <a:r>
+              <a:rPr lang="es-MX" dirty="0"/>
+              <a:t>- Aspecto a </a:t>
+            </a:r>
+            <a:r>
+              <a:rPr lang="es-MX" b="1" dirty="0"/>
+              <a:t>mejorar</a:t>
+            </a:r>
+            <a:r>
+              <a:rPr lang="es-MX" dirty="0"/>
+              <a:t>: El texto no escala con el tamaño de la barra de navegación.</a:t>
+            </a:r>
+          </a:p>
+          <a:p>
+            <a:endParaRPr lang="es-MX" dirty="0"/>
+          </a:p>
+        </p:txBody>
+      </p:sp>
+      <p:sp>
+        <p:nvSpPr>
+          <p:cNvPr id="13" name="CuadroTexto 12">
+            <a:extLst>
+              <a:ext uri="{FF2B5EF4-FFF2-40B4-BE49-F238E27FC236}">
+                <a16:creationId xmlns:a16="http://schemas.microsoft.com/office/drawing/2014/main" id="{D5E26CF5-A187-0448-9958-CF47372C179D}"/>
+              </a:ext>
+            </a:extLst>
+          </p:cNvPr>
+          <p:cNvSpPr txBox="1"/>
+          <p:nvPr/>
+        </p:nvSpPr>
+        <p:spPr>
+          <a:xfrm>
+            <a:off x="2529399" y="4154331"/>
+            <a:ext cx="4244175" cy="923330"/>
+          </a:xfrm>
+          <a:prstGeom prst="rect">
+            <a:avLst/>
+          </a:prstGeom>
+          <a:noFill/>
+        </p:spPr>
+        <p:txBody>
+          <a:bodyPr wrap="none" rtlCol="0">
+            <a:spAutoFit/>
+          </a:bodyPr>
+          <a:lstStyle/>
+          <a:p>
+            <a:r>
+              <a:rPr lang="es-MX" dirty="0"/>
+              <a:t>- Aspecto a </a:t>
+            </a:r>
+            <a:r>
+              <a:rPr lang="es-MX" b="1" dirty="0"/>
+              <a:t>mejorar</a:t>
+            </a:r>
+            <a:r>
+              <a:rPr lang="es-MX" dirty="0"/>
+              <a:t>: </a:t>
+            </a:r>
+            <a:r>
+              <a:rPr lang="es-MX" b="1" dirty="0"/>
+              <a:t>Prevención de errores</a:t>
+            </a:r>
+            <a:endParaRPr lang="es-MX" dirty="0"/>
+          </a:p>
+          <a:p>
+            <a:br>
+              <a:rPr lang="es-MX" dirty="0"/>
+            </a:br>
+            <a:endParaRPr lang="es-MX" dirty="0"/>
+          </a:p>
+        </p:txBody>
+      </p:sp>
+      <p:sp>
+        <p:nvSpPr>
+          <p:cNvPr id="14" name="CuadroTexto 13">
+            <a:extLst>
+              <a:ext uri="{FF2B5EF4-FFF2-40B4-BE49-F238E27FC236}">
+                <a16:creationId xmlns:a16="http://schemas.microsoft.com/office/drawing/2014/main" id="{F158F165-4F98-9944-9754-ACF3581200DD}"/>
+              </a:ext>
+            </a:extLst>
+          </p:cNvPr>
+          <p:cNvSpPr txBox="1"/>
+          <p:nvPr/>
+        </p:nvSpPr>
+        <p:spPr>
+          <a:xfrm>
+            <a:off x="2529399" y="5568435"/>
+            <a:ext cx="3446521" cy="369332"/>
+          </a:xfrm>
+          <a:prstGeom prst="rect">
+            <a:avLst/>
+          </a:prstGeom>
+          <a:noFill/>
+        </p:spPr>
+        <p:txBody>
+          <a:bodyPr wrap="none" rtlCol="0">
+            <a:spAutoFit/>
+          </a:bodyPr>
+          <a:lstStyle/>
+          <a:p>
+            <a:r>
+              <a:rPr lang="es-MX" b="1" i="1" u="sng" dirty="0"/>
+              <a:t>https://cbtis.construtec.xyz/home</a:t>
+            </a:r>
+          </a:p>
+        </p:txBody>
+      </p:sp>
     </p:spTree>
     <p:extLst>
       <p:ext uri="{BB962C8B-B14F-4D97-AF65-F5344CB8AC3E}">
-        <p14:creationId xmlns:p14="http://schemas.microsoft.com/office/powerpoint/2010/main" val="3500740195"/>
+        <p14:creationId xmlns:p14="http://schemas.microsoft.com/office/powerpoint/2010/main" val="3049018368"/>
       </p:ext>
     </p:extLst>
   </p:cSld>
@@ -8450,7 +9155,7 @@
         <p:spPr>
           <a:xfrm>
             <a:off x="2014321" y="1368850"/>
-            <a:ext cx="8697222" cy="400110"/>
+            <a:ext cx="5823393" cy="400110"/>
           </a:xfrm>
           <a:prstGeom prst="rect">
             <a:avLst/>
@@ -8477,7 +9182,7 @@
             </a:r>
             <a:r>
               <a:rPr lang="es-MX" sz="2000" b="1" dirty="0"/>
-              <a:t>Botón de iniciar examen --- SOLUCION</a:t>
+              <a:t>Botón de iniciar examen</a:t>
             </a:r>
             <a:endParaRPr lang="es-MX" sz="2000" dirty="0"/>
           </a:p>
@@ -8485,10 +9190,10 @@
       </p:sp>
       <p:pic>
         <p:nvPicPr>
-          <p:cNvPr id="18" name="Imagen 17" descr="Captura de pantalla de un celular&#10;&#10;Descripción generada automáticamente">
-            <a:extLst>
-              <a:ext uri="{FF2B5EF4-FFF2-40B4-BE49-F238E27FC236}">
-                <a16:creationId xmlns:a16="http://schemas.microsoft.com/office/drawing/2014/main" id="{1C19CD17-7669-E146-A459-6C53CBF2E6A4}"/>
+          <p:cNvPr id="9" name="Imagen 8" descr="Una captura de pantalla de una computadora&#10;&#10;Descripción generada automáticamente">
+            <a:extLst>
+              <a:ext uri="{FF2B5EF4-FFF2-40B4-BE49-F238E27FC236}">
+                <a16:creationId xmlns:a16="http://schemas.microsoft.com/office/drawing/2014/main" id="{B75256DC-659D-7D46-8CAE-C2D350AFC24A}"/>
               </a:ext>
             </a:extLst>
           </p:cNvPr>
@@ -8511,53 +9216,18 @@
         </p:blipFill>
         <p:spPr>
           <a:xfrm>
-            <a:off x="2178561" y="1941572"/>
-            <a:ext cx="7834875" cy="4146431"/>
+            <a:off x="2613036" y="1768960"/>
+            <a:ext cx="8435964" cy="4782357"/>
           </a:xfrm>
           <a:prstGeom prst="rect">
             <a:avLst/>
           </a:prstGeom>
         </p:spPr>
       </p:pic>
-      <p:sp>
-        <p:nvSpPr>
-          <p:cNvPr id="19" name="CuadroTexto 18">
-            <a:extLst>
-              <a:ext uri="{FF2B5EF4-FFF2-40B4-BE49-F238E27FC236}">
-                <a16:creationId xmlns:a16="http://schemas.microsoft.com/office/drawing/2014/main" id="{3836CB3B-AE57-2F4F-8B39-1CC6F2AA2552}"/>
-              </a:ext>
-            </a:extLst>
-          </p:cNvPr>
-          <p:cNvSpPr txBox="1"/>
-          <p:nvPr/>
-        </p:nvSpPr>
-        <p:spPr>
-          <a:xfrm>
-            <a:off x="10144857" y="1941572"/>
-            <a:ext cx="2022231" cy="923330"/>
-          </a:xfrm>
-          <a:prstGeom prst="rect">
-            <a:avLst/>
-          </a:prstGeom>
-          <a:noFill/>
-        </p:spPr>
-        <p:txBody>
-          <a:bodyPr wrap="square" rtlCol="0">
-            <a:spAutoFit/>
-          </a:bodyPr>
-          <a:lstStyle/>
-          <a:p>
-            <a:r>
-              <a:rPr lang="es-MX" dirty="0"/>
-              <a:t>Resalte a todo el boton para iniciar examen</a:t>
-            </a:r>
-          </a:p>
-        </p:txBody>
-      </p:sp>
     </p:spTree>
     <p:extLst>
       <p:ext uri="{BB962C8B-B14F-4D97-AF65-F5344CB8AC3E}">
-        <p14:creationId xmlns:p14="http://schemas.microsoft.com/office/powerpoint/2010/main" val="3755080630"/>
+        <p14:creationId xmlns:p14="http://schemas.microsoft.com/office/powerpoint/2010/main" val="3500740195"/>
       </p:ext>
     </p:extLst>
   </p:cSld>
@@ -8857,18 +9527,22 @@
             </a:r>
             <a:r>
               <a:rPr lang="es-MX" sz="2000" dirty="0"/>
-              <a:t>: Estética y Diseño sobre los diferentes tipos de competencias.</a:t>
-            </a:r>
-            <a:endParaRPr lang="es-MX" sz="2000" b="1" dirty="0"/>
+              <a:t>: </a:t>
+            </a:r>
+            <a:r>
+              <a:rPr lang="es-MX" sz="2000" b="1" dirty="0"/>
+              <a:t>Botón de iniciar examen --- SOLUCION</a:t>
+            </a:r>
+            <a:endParaRPr lang="es-MX" sz="2000" dirty="0"/>
           </a:p>
         </p:txBody>
       </p:sp>
       <p:pic>
         <p:nvPicPr>
-          <p:cNvPr id="9" name="Imagen 8" descr="Captura de pantalla de un celular&#10;&#10;Descripción generada automáticamente">
-            <a:extLst>
-              <a:ext uri="{FF2B5EF4-FFF2-40B4-BE49-F238E27FC236}">
-                <a16:creationId xmlns:a16="http://schemas.microsoft.com/office/drawing/2014/main" id="{40486138-BB93-A64D-B5E4-D015E859CE45}"/>
+          <p:cNvPr id="18" name="Imagen 17" descr="Captura de pantalla de un celular&#10;&#10;Descripción generada automáticamente">
+            <a:extLst>
+              <a:ext uri="{FF2B5EF4-FFF2-40B4-BE49-F238E27FC236}">
+                <a16:creationId xmlns:a16="http://schemas.microsoft.com/office/drawing/2014/main" id="{1C19CD17-7669-E146-A459-6C53CBF2E6A4}"/>
               </a:ext>
             </a:extLst>
           </p:cNvPr>
@@ -8891,18 +9565,53 @@
         </p:blipFill>
         <p:spPr>
           <a:xfrm>
-            <a:off x="2389192" y="1768960"/>
-            <a:ext cx="7947479" cy="4804664"/>
+            <a:off x="2178561" y="1941572"/>
+            <a:ext cx="7834875" cy="4146431"/>
           </a:xfrm>
           <a:prstGeom prst="rect">
             <a:avLst/>
           </a:prstGeom>
         </p:spPr>
       </p:pic>
+      <p:sp>
+        <p:nvSpPr>
+          <p:cNvPr id="19" name="CuadroTexto 18">
+            <a:extLst>
+              <a:ext uri="{FF2B5EF4-FFF2-40B4-BE49-F238E27FC236}">
+                <a16:creationId xmlns:a16="http://schemas.microsoft.com/office/drawing/2014/main" id="{3836CB3B-AE57-2F4F-8B39-1CC6F2AA2552}"/>
+              </a:ext>
+            </a:extLst>
+          </p:cNvPr>
+          <p:cNvSpPr txBox="1"/>
+          <p:nvPr/>
+        </p:nvSpPr>
+        <p:spPr>
+          <a:xfrm>
+            <a:off x="10144857" y="1941572"/>
+            <a:ext cx="2022231" cy="923330"/>
+          </a:xfrm>
+          <a:prstGeom prst="rect">
+            <a:avLst/>
+          </a:prstGeom>
+          <a:noFill/>
+        </p:spPr>
+        <p:txBody>
+          <a:bodyPr wrap="square" rtlCol="0">
+            <a:spAutoFit/>
+          </a:bodyPr>
+          <a:lstStyle/>
+          <a:p>
+            <a:r>
+              <a:rPr lang="es-MX" dirty="0"/>
+              <a:t>Resalte a todo el boton para iniciar examen</a:t>
+            </a:r>
+          </a:p>
+        </p:txBody>
+      </p:sp>
     </p:spTree>
     <p:extLst>
       <p:ext uri="{BB962C8B-B14F-4D97-AF65-F5344CB8AC3E}">
-        <p14:creationId xmlns:p14="http://schemas.microsoft.com/office/powerpoint/2010/main" val="3271308573"/>
+        <p14:creationId xmlns:p14="http://schemas.microsoft.com/office/powerpoint/2010/main" val="3755080630"/>
       </p:ext>
     </p:extLst>
   </p:cSld>
@@ -9178,8 +9887,8 @@
         </p:nvSpPr>
         <p:spPr>
           <a:xfrm>
-            <a:off x="1885950" y="1368850"/>
-            <a:ext cx="10142764" cy="400110"/>
+            <a:off x="2014321" y="1368850"/>
+            <a:ext cx="8697222" cy="400110"/>
           </a:xfrm>
           <a:prstGeom prst="rect">
             <a:avLst/>
@@ -9194,7 +9903,7 @@
           <a:p>
             <a:r>
               <a:rPr lang="es-MX" sz="2000" dirty="0"/>
-              <a:t>-  Aspecto a </a:t>
+              <a:t>- Aspecto a </a:t>
             </a:r>
             <a:r>
               <a:rPr lang="es-MX" sz="2000" b="1" dirty="0"/>
@@ -9204,11 +9913,7 @@
               <a:rPr lang="es-MX" sz="2000" dirty="0"/>
               <a:t>: Estética y Diseño sobre los diferentes tipos de competencias.</a:t>
             </a:r>
-            <a:r>
-              <a:rPr lang="es-MX" sz="2000" b="1" dirty="0"/>
-              <a:t> SOLUCION</a:t>
-            </a:r>
-            <a:endParaRPr lang="es-MX" sz="2000" dirty="0"/>
+            <a:endParaRPr lang="es-MX" sz="2000" b="1" dirty="0"/>
           </a:p>
         </p:txBody>
       </p:sp>
@@ -9217,7 +9922,7 @@
           <p:cNvPr id="9" name="Imagen 8" descr="Captura de pantalla de un celular&#10;&#10;Descripción generada automáticamente">
             <a:extLst>
               <a:ext uri="{FF2B5EF4-FFF2-40B4-BE49-F238E27FC236}">
-                <a16:creationId xmlns:a16="http://schemas.microsoft.com/office/drawing/2014/main" id="{DF621A7D-380C-2648-9148-4C47CFF3713F}"/>
+                <a16:creationId xmlns:a16="http://schemas.microsoft.com/office/drawing/2014/main" id="{40486138-BB93-A64D-B5E4-D015E859CE45}"/>
               </a:ext>
             </a:extLst>
           </p:cNvPr>
@@ -9240,65 +9945,18 @@
         </p:blipFill>
         <p:spPr>
           <a:xfrm>
-            <a:off x="2188493" y="1976140"/>
-            <a:ext cx="7255090" cy="4477414"/>
+            <a:off x="2389192" y="1768960"/>
+            <a:ext cx="7947479" cy="4804664"/>
           </a:xfrm>
           <a:prstGeom prst="rect">
             <a:avLst/>
           </a:prstGeom>
         </p:spPr>
       </p:pic>
-      <p:sp>
-        <p:nvSpPr>
-          <p:cNvPr id="11" name="CuadroTexto 10">
-            <a:extLst>
-              <a:ext uri="{FF2B5EF4-FFF2-40B4-BE49-F238E27FC236}">
-                <a16:creationId xmlns:a16="http://schemas.microsoft.com/office/drawing/2014/main" id="{B4F93493-3369-F948-8282-C52596FDF387}"/>
-              </a:ext>
-            </a:extLst>
-          </p:cNvPr>
-          <p:cNvSpPr txBox="1"/>
-          <p:nvPr/>
-        </p:nvSpPr>
-        <p:spPr>
-          <a:xfrm>
-            <a:off x="9443583" y="2578314"/>
-            <a:ext cx="2585131" cy="923330"/>
-          </a:xfrm>
-          <a:prstGeom prst="rect">
-            <a:avLst/>
-          </a:prstGeom>
-          <a:noFill/>
-        </p:spPr>
-        <p:txBody>
-          <a:bodyPr wrap="none" rtlCol="0">
-            <a:spAutoFit/>
-          </a:bodyPr>
-          <a:lstStyle/>
-          <a:p>
-            <a:r>
-              <a:rPr lang="es-MX" dirty="0"/>
-              <a:t>Cambio de tipo</a:t>
-            </a:r>
-          </a:p>
-          <a:p>
-            <a:r>
-              <a:rPr lang="es-MX" dirty="0"/>
-              <a:t>de pestañas para conocer</a:t>
-            </a:r>
-          </a:p>
-          <a:p>
-            <a:r>
-              <a:rPr lang="es-MX" dirty="0"/>
-              <a:t>la seccion del examen. </a:t>
-            </a:r>
-          </a:p>
-        </p:txBody>
-      </p:sp>
     </p:spTree>
     <p:extLst>
       <p:ext uri="{BB962C8B-B14F-4D97-AF65-F5344CB8AC3E}">
-        <p14:creationId xmlns:p14="http://schemas.microsoft.com/office/powerpoint/2010/main" val="3429725583"/>
+        <p14:creationId xmlns:p14="http://schemas.microsoft.com/office/powerpoint/2010/main" val="3271308573"/>
       </p:ext>
     </p:extLst>
   </p:cSld>
@@ -9574,8 +10232,8 @@
         </p:nvSpPr>
         <p:spPr>
           <a:xfrm>
-            <a:off x="2014321" y="1368850"/>
-            <a:ext cx="8697222" cy="400110"/>
+            <a:off x="1885950" y="1368850"/>
+            <a:ext cx="10142764" cy="400110"/>
           </a:xfrm>
           <a:prstGeom prst="rect">
             <a:avLst/>
@@ -9590,7 +10248,7 @@
           <a:p>
             <a:r>
               <a:rPr lang="es-MX" sz="2000" dirty="0"/>
-              <a:t>- Aspecto a </a:t>
+              <a:t>-  Aspecto a </a:t>
             </a:r>
             <a:r>
               <a:rPr lang="es-MX" sz="2000" b="1" dirty="0"/>
@@ -9598,9 +10256,13 @@
             </a:r>
             <a:r>
               <a:rPr lang="es-MX" sz="2000" dirty="0"/>
-              <a:t>: Estética y Diseño al agregar un nuevo examen.</a:t>
-            </a:r>
-            <a:endParaRPr lang="es-MX" sz="2000" b="1" dirty="0"/>
+              <a:t>: Estética y Diseño sobre los diferentes tipos de competencias.</a:t>
+            </a:r>
+            <a:r>
+              <a:rPr lang="es-MX" sz="2000" b="1" dirty="0"/>
+              <a:t> SOLUCION</a:t>
+            </a:r>
+            <a:endParaRPr lang="es-MX" sz="2000" dirty="0"/>
           </a:p>
         </p:txBody>
       </p:sp>
@@ -9609,7 +10271,7 @@
           <p:cNvPr id="9" name="Imagen 8" descr="Captura de pantalla de un celular&#10;&#10;Descripción generada automáticamente">
             <a:extLst>
               <a:ext uri="{FF2B5EF4-FFF2-40B4-BE49-F238E27FC236}">
-                <a16:creationId xmlns:a16="http://schemas.microsoft.com/office/drawing/2014/main" id="{709CBAB0-6835-B24A-A8FA-B0DDF2063D8D}"/>
+                <a16:creationId xmlns:a16="http://schemas.microsoft.com/office/drawing/2014/main" id="{DF621A7D-380C-2648-9148-4C47CFF3713F}"/>
               </a:ext>
             </a:extLst>
           </p:cNvPr>
@@ -9632,18 +10294,65 @@
         </p:blipFill>
         <p:spPr>
           <a:xfrm>
-            <a:off x="2253581" y="1877818"/>
-            <a:ext cx="8523050" cy="4536950"/>
+            <a:off x="2188493" y="1976140"/>
+            <a:ext cx="7255090" cy="4477414"/>
           </a:xfrm>
           <a:prstGeom prst="rect">
             <a:avLst/>
           </a:prstGeom>
         </p:spPr>
       </p:pic>
+      <p:sp>
+        <p:nvSpPr>
+          <p:cNvPr id="11" name="CuadroTexto 10">
+            <a:extLst>
+              <a:ext uri="{FF2B5EF4-FFF2-40B4-BE49-F238E27FC236}">
+                <a16:creationId xmlns:a16="http://schemas.microsoft.com/office/drawing/2014/main" id="{B4F93493-3369-F948-8282-C52596FDF387}"/>
+              </a:ext>
+            </a:extLst>
+          </p:cNvPr>
+          <p:cNvSpPr txBox="1"/>
+          <p:nvPr/>
+        </p:nvSpPr>
+        <p:spPr>
+          <a:xfrm>
+            <a:off x="9443583" y="2578314"/>
+            <a:ext cx="2585131" cy="923330"/>
+          </a:xfrm>
+          <a:prstGeom prst="rect">
+            <a:avLst/>
+          </a:prstGeom>
+          <a:noFill/>
+        </p:spPr>
+        <p:txBody>
+          <a:bodyPr wrap="none" rtlCol="0">
+            <a:spAutoFit/>
+          </a:bodyPr>
+          <a:lstStyle/>
+          <a:p>
+            <a:r>
+              <a:rPr lang="es-MX" dirty="0"/>
+              <a:t>Cambio de tipo</a:t>
+            </a:r>
+          </a:p>
+          <a:p>
+            <a:r>
+              <a:rPr lang="es-MX" dirty="0"/>
+              <a:t>de pestañas para conocer</a:t>
+            </a:r>
+          </a:p>
+          <a:p>
+            <a:r>
+              <a:rPr lang="es-MX" dirty="0"/>
+              <a:t>la seccion del examen. </a:t>
+            </a:r>
+          </a:p>
+        </p:txBody>
+      </p:sp>
     </p:spTree>
     <p:extLst>
       <p:ext uri="{BB962C8B-B14F-4D97-AF65-F5344CB8AC3E}">
-        <p14:creationId xmlns:p14="http://schemas.microsoft.com/office/powerpoint/2010/main" val="2436601294"/>
+        <p14:creationId xmlns:p14="http://schemas.microsoft.com/office/powerpoint/2010/main" val="3429725583"/>
       </p:ext>
     </p:extLst>
   </p:cSld>
@@ -9919,8 +10628,8 @@
         </p:nvSpPr>
         <p:spPr>
           <a:xfrm>
-            <a:off x="1885950" y="1368850"/>
-            <a:ext cx="10142764" cy="400110"/>
+            <a:off x="2014321" y="1368850"/>
+            <a:ext cx="8697222" cy="400110"/>
           </a:xfrm>
           <a:prstGeom prst="rect">
             <a:avLst/>
@@ -9943,15 +10652,7 @@
             </a:r>
             <a:r>
               <a:rPr lang="es-MX" sz="2000" dirty="0"/>
-              <a:t>: Estética y Diseño al agregar un nuevo examen. </a:t>
-            </a:r>
-            <a:r>
-              <a:rPr lang="es-MX" sz="2000" b="1" dirty="0"/>
-              <a:t>SOLUCION</a:t>
-            </a:r>
-            <a:r>
-              <a:rPr lang="es-MX" sz="2000" dirty="0"/>
-              <a:t> </a:t>
+              <a:t>: Estética y Diseño al agregar un nuevo examen.</a:t>
             </a:r>
             <a:endParaRPr lang="es-MX" sz="2000" b="1" dirty="0"/>
           </a:p>
@@ -9962,7 +10663,7 @@
           <p:cNvPr id="9" name="Imagen 8" descr="Captura de pantalla de un celular&#10;&#10;Descripción generada automáticamente">
             <a:extLst>
               <a:ext uri="{FF2B5EF4-FFF2-40B4-BE49-F238E27FC236}">
-                <a16:creationId xmlns:a16="http://schemas.microsoft.com/office/drawing/2014/main" id="{1A3FE820-C1EF-0147-823E-80F0B735CE3F}"/>
+                <a16:creationId xmlns:a16="http://schemas.microsoft.com/office/drawing/2014/main" id="{709CBAB0-6835-B24A-A8FA-B0DDF2063D8D}"/>
               </a:ext>
             </a:extLst>
           </p:cNvPr>
@@ -9985,59 +10686,18 @@
         </p:blipFill>
         <p:spPr>
           <a:xfrm>
-            <a:off x="2074324" y="1965006"/>
-            <a:ext cx="6861117" cy="3502178"/>
+            <a:off x="2253581" y="1877818"/>
+            <a:ext cx="8523050" cy="4536950"/>
           </a:xfrm>
           <a:prstGeom prst="rect">
             <a:avLst/>
           </a:prstGeom>
         </p:spPr>
       </p:pic>
-      <p:sp>
-        <p:nvSpPr>
-          <p:cNvPr id="10" name="CuadroTexto 9">
-            <a:extLst>
-              <a:ext uri="{FF2B5EF4-FFF2-40B4-BE49-F238E27FC236}">
-                <a16:creationId xmlns:a16="http://schemas.microsoft.com/office/drawing/2014/main" id="{0EF357D8-BBBD-D244-B81D-D6CA4DE952C5}"/>
-              </a:ext>
-            </a:extLst>
-          </p:cNvPr>
-          <p:cNvSpPr txBox="1"/>
-          <p:nvPr/>
-        </p:nvSpPr>
-        <p:spPr>
-          <a:xfrm>
-            <a:off x="9123816" y="2409093"/>
-            <a:ext cx="2904898" cy="646331"/>
-          </a:xfrm>
-          <a:prstGeom prst="rect">
-            <a:avLst/>
-          </a:prstGeom>
-          <a:noFill/>
-        </p:spPr>
-        <p:txBody>
-          <a:bodyPr wrap="none" rtlCol="0">
-            <a:spAutoFit/>
-          </a:bodyPr>
-          <a:lstStyle/>
-          <a:p>
-            <a:r>
-              <a:rPr lang="es-MX" dirty="0"/>
-              <a:t>Se elimino el boton repetido </a:t>
-            </a:r>
-          </a:p>
-          <a:p>
-            <a:r>
-              <a:rPr lang="es-MX" dirty="0"/>
-              <a:t>para crear examen</a:t>
-            </a:r>
-          </a:p>
-        </p:txBody>
-      </p:sp>
     </p:spTree>
     <p:extLst>
       <p:ext uri="{BB962C8B-B14F-4D97-AF65-F5344CB8AC3E}">
-        <p14:creationId xmlns:p14="http://schemas.microsoft.com/office/powerpoint/2010/main" val="1373304278"/>
+        <p14:creationId xmlns:p14="http://schemas.microsoft.com/office/powerpoint/2010/main" val="2436601294"/>
       </p:ext>
     </p:extLst>
   </p:cSld>
@@ -10337,22 +10997,26 @@
             </a:r>
             <a:r>
               <a:rPr lang="es-MX" sz="2000" dirty="0"/>
-              <a:t>: </a:t>
+              <a:t>: Estética y Diseño al agregar un nuevo examen. </a:t>
             </a:r>
             <a:r>
               <a:rPr lang="es-MX" sz="2000" b="1" dirty="0"/>
-              <a:t>Prevención de errores al eliminar examen</a:t>
-            </a:r>
-            <a:endParaRPr lang="es-MX" sz="2000" dirty="0"/>
+              <a:t>SOLUCION</a:t>
+            </a:r>
+            <a:r>
+              <a:rPr lang="es-MX" sz="2000" dirty="0"/>
+              <a:t> </a:t>
+            </a:r>
+            <a:endParaRPr lang="es-MX" sz="2000" b="1" dirty="0"/>
           </a:p>
         </p:txBody>
       </p:sp>
       <p:pic>
         <p:nvPicPr>
-          <p:cNvPr id="9" name="Imagen 8" descr="Captura de pantalla de un celular con texto&#10;&#10;Descripción generada automáticamente">
-            <a:extLst>
-              <a:ext uri="{FF2B5EF4-FFF2-40B4-BE49-F238E27FC236}">
-                <a16:creationId xmlns:a16="http://schemas.microsoft.com/office/drawing/2014/main" id="{F6F81010-61B6-804D-88E2-A64260F94AA2}"/>
+          <p:cNvPr id="9" name="Imagen 8" descr="Captura de pantalla de un celular&#10;&#10;Descripción generada automáticamente">
+            <a:extLst>
+              <a:ext uri="{FF2B5EF4-FFF2-40B4-BE49-F238E27FC236}">
+                <a16:creationId xmlns:a16="http://schemas.microsoft.com/office/drawing/2014/main" id="{1A3FE820-C1EF-0147-823E-80F0B735CE3F}"/>
               </a:ext>
             </a:extLst>
           </p:cNvPr>
@@ -10375,18 +11039,59 @@
         </p:blipFill>
         <p:spPr>
           <a:xfrm>
-            <a:off x="2000250" y="2242456"/>
-            <a:ext cx="9505950" cy="4211631"/>
+            <a:off x="2074324" y="1965006"/>
+            <a:ext cx="6861117" cy="3502178"/>
           </a:xfrm>
           <a:prstGeom prst="rect">
             <a:avLst/>
           </a:prstGeom>
         </p:spPr>
       </p:pic>
+      <p:sp>
+        <p:nvSpPr>
+          <p:cNvPr id="10" name="CuadroTexto 9">
+            <a:extLst>
+              <a:ext uri="{FF2B5EF4-FFF2-40B4-BE49-F238E27FC236}">
+                <a16:creationId xmlns:a16="http://schemas.microsoft.com/office/drawing/2014/main" id="{0EF357D8-BBBD-D244-B81D-D6CA4DE952C5}"/>
+              </a:ext>
+            </a:extLst>
+          </p:cNvPr>
+          <p:cNvSpPr txBox="1"/>
+          <p:nvPr/>
+        </p:nvSpPr>
+        <p:spPr>
+          <a:xfrm>
+            <a:off x="9123816" y="2409093"/>
+            <a:ext cx="2904898" cy="646331"/>
+          </a:xfrm>
+          <a:prstGeom prst="rect">
+            <a:avLst/>
+          </a:prstGeom>
+          <a:noFill/>
+        </p:spPr>
+        <p:txBody>
+          <a:bodyPr wrap="none" rtlCol="0">
+            <a:spAutoFit/>
+          </a:bodyPr>
+          <a:lstStyle/>
+          <a:p>
+            <a:r>
+              <a:rPr lang="es-MX" dirty="0"/>
+              <a:t>Se elimino el boton repetido </a:t>
+            </a:r>
+          </a:p>
+          <a:p>
+            <a:r>
+              <a:rPr lang="es-MX" dirty="0"/>
+              <a:t>para crear examen</a:t>
+            </a:r>
+          </a:p>
+        </p:txBody>
+      </p:sp>
     </p:spTree>
     <p:extLst>
       <p:ext uri="{BB962C8B-B14F-4D97-AF65-F5344CB8AC3E}">
-        <p14:creationId xmlns:p14="http://schemas.microsoft.com/office/powerpoint/2010/main" val="3289354726"/>
+        <p14:creationId xmlns:p14="http://schemas.microsoft.com/office/powerpoint/2010/main" val="1373304278"/>
       </p:ext>
     </p:extLst>
   </p:cSld>
